--- a/Prezentace/3_Testovani_hypotez.pptx
+++ b/Prezentace/3_Testovani_hypotez.pptx
@@ -5,7 +5,7 @@
     <p:sldMasterId id="2147483660" r:id="rId4"/>
   </p:sldMasterIdLst>
   <p:notesMasterIdLst>
-    <p:notesMasterId r:id="rId20"/>
+    <p:notesMasterId r:id="rId28"/>
   </p:notesMasterIdLst>
   <p:sldIdLst>
     <p:sldId id="404" r:id="rId5"/>
@@ -22,7 +22,15 @@
     <p:sldId id="425" r:id="rId16"/>
     <p:sldId id="422" r:id="rId17"/>
     <p:sldId id="427" r:id="rId18"/>
-    <p:sldId id="428" r:id="rId19"/>
+    <p:sldId id="430" r:id="rId19"/>
+    <p:sldId id="431" r:id="rId20"/>
+    <p:sldId id="432" r:id="rId21"/>
+    <p:sldId id="434" r:id="rId22"/>
+    <p:sldId id="435" r:id="rId23"/>
+    <p:sldId id="436" r:id="rId24"/>
+    <p:sldId id="437" r:id="rId25"/>
+    <p:sldId id="439" r:id="rId26"/>
+    <p:sldId id="438" r:id="rId27"/>
   </p:sldIdLst>
   <p:sldSz cx="11522075" cy="6858000"/>
   <p:notesSz cx="6858000" cy="9144000"/>
@@ -6847,10 +6855,115 @@
   <p:cSld>
     <p:spTree>
       <p:nvGrpSpPr>
+        <p:cNvPr id="1" name=""/>
+        <p:cNvGrpSpPr/>
+        <p:nvPr/>
+      </p:nvGrpSpPr>
+      <p:grpSpPr>
+        <a:xfrm>
+          <a:off x="0" y="0"/>
+          <a:ext cx="0" cy="0"/>
+          <a:chOff x="0" y="0"/>
+          <a:chExt cx="0" cy="0"/>
+        </a:xfrm>
+      </p:grpSpPr>
+      <p:sp>
+        <p:nvSpPr>
+          <p:cNvPr id="2" name="Title 1">
+            <a:extLst>
+              <a:ext uri="{FF2B5EF4-FFF2-40B4-BE49-F238E27FC236}">
+                <a16:creationId xmlns:a16="http://schemas.microsoft.com/office/drawing/2014/main" id="{0AD48EE9-63D1-0BA4-41E5-1FF178ECF8E1}"/>
+              </a:ext>
+            </a:extLst>
+          </p:cNvPr>
+          <p:cNvSpPr>
+            <a:spLocks noGrp="1"/>
+          </p:cNvSpPr>
+          <p:nvPr>
+            <p:ph type="title"/>
+          </p:nvPr>
+        </p:nvSpPr>
+        <p:spPr/>
+        <p:txBody>
+          <a:bodyPr/>
+          <a:lstStyle/>
+          <a:p>
+            <a:r>
+              <a:rPr lang="cs-CZ" dirty="0"/>
+              <a:t>Sdílené předpoklady pro t-testy</a:t>
+            </a:r>
+            <a:endParaRPr lang="en-US" dirty="0"/>
+          </a:p>
+        </p:txBody>
+      </p:sp>
+      <p:sp>
+        <p:nvSpPr>
+          <p:cNvPr id="3" name="Content Placeholder 2">
+            <a:extLst>
+              <a:ext uri="{FF2B5EF4-FFF2-40B4-BE49-F238E27FC236}">
+                <a16:creationId xmlns:a16="http://schemas.microsoft.com/office/drawing/2014/main" id="{3F4127C8-B528-22F6-D93C-FF8B873A3D6A}"/>
+              </a:ext>
+            </a:extLst>
+          </p:cNvPr>
+          <p:cNvSpPr>
+            <a:spLocks noGrp="1"/>
+          </p:cNvSpPr>
+          <p:nvPr>
+            <p:ph idx="1"/>
+          </p:nvPr>
+        </p:nvSpPr>
+        <p:spPr/>
+        <p:txBody>
+          <a:bodyPr/>
+          <a:lstStyle/>
+          <a:p>
+            <a:r>
+              <a:rPr lang="cs-CZ" dirty="0"/>
+              <a:t>Reprezentativní vzorek</a:t>
+            </a:r>
+          </a:p>
+          <a:p>
+            <a:r>
+              <a:rPr lang="cs-CZ" dirty="0"/>
+              <a:t>Nezávislé pozorování (kromě párového t-testu)</a:t>
+            </a:r>
+          </a:p>
+          <a:p>
+            <a:r>
+              <a:rPr lang="cs-CZ" dirty="0"/>
+              <a:t>Spojitá data</a:t>
+            </a:r>
+          </a:p>
+          <a:p>
+            <a:r>
+              <a:rPr lang="cs-CZ" dirty="0"/>
+              <a:t>Normálně rozdělená data/rozdíly</a:t>
+            </a:r>
+          </a:p>
+        </p:txBody>
+      </p:sp>
+    </p:spTree>
+    <p:extLst>
+      <p:ext uri="{BB962C8B-B14F-4D97-AF65-F5344CB8AC3E}">
+        <p14:creationId xmlns:p14="http://schemas.microsoft.com/office/powerpoint/2010/main" val="1619967858"/>
+      </p:ext>
+    </p:extLst>
+  </p:cSld>
+  <p:clrMapOvr>
+    <a:masterClrMapping/>
+  </p:clrMapOvr>
+</p:sld>
+</file>
+
+<file path=ppt/slides/slide16.xml><?xml version="1.0" encoding="utf-8"?>
+<p:sld xmlns:a="http://schemas.openxmlformats.org/drawingml/2006/main" xmlns:r="http://schemas.openxmlformats.org/officeDocument/2006/relationships" xmlns:p="http://schemas.openxmlformats.org/presentationml/2006/main">
+  <p:cSld>
+    <p:spTree>
+      <p:nvGrpSpPr>
         <p:cNvPr id="1" name="">
           <a:extLst>
             <a:ext uri="{FF2B5EF4-FFF2-40B4-BE49-F238E27FC236}">
-              <a16:creationId xmlns:a16="http://schemas.microsoft.com/office/drawing/2014/main" id="{E64C4C81-FB58-A25F-33C1-984FEEE11DA9}"/>
+              <a16:creationId xmlns:a16="http://schemas.microsoft.com/office/drawing/2014/main" id="{39D225AC-4958-1C9B-2782-891190E9332E}"/>
             </a:ext>
           </a:extLst>
         </p:cNvPr>
@@ -6867,20 +6980,197 @@
       </p:grpSpPr>
       <p:sp>
         <p:nvSpPr>
-          <p:cNvPr id="2" name="TextBox 1">
+          <p:cNvPr id="2" name="Title 1">
             <a:extLst>
               <a:ext uri="{FF2B5EF4-FFF2-40B4-BE49-F238E27FC236}">
-                <a16:creationId xmlns:a16="http://schemas.microsoft.com/office/drawing/2014/main" id="{8E030CDB-1481-C6A6-95A3-9A82A273B8BC}"/>
+                <a16:creationId xmlns:a16="http://schemas.microsoft.com/office/drawing/2014/main" id="{F7FCE058-986D-435C-C5E0-EDFAF85F347A}"/>
               </a:ext>
             </a:extLst>
           </p:cNvPr>
-          <p:cNvSpPr txBox="1"/>
-          <p:nvPr/>
+          <p:cNvSpPr>
+            <a:spLocks noGrp="1"/>
+          </p:cNvSpPr>
+          <p:nvPr>
+            <p:ph type="title"/>
+          </p:nvPr>
+        </p:nvSpPr>
+        <p:spPr/>
+        <p:txBody>
+          <a:bodyPr anchor="t"/>
+          <a:lstStyle/>
+          <a:p>
+            <a:r>
+              <a:rPr lang="cs-CZ" dirty="0"/>
+              <a:t>Předpoklady pro testování hypotéz</a:t>
+            </a:r>
+            <a:endParaRPr lang="en-US" dirty="0"/>
+          </a:p>
+        </p:txBody>
+      </p:sp>
+      <p:sp>
+        <p:nvSpPr>
+          <p:cNvPr id="3" name="Content Placeholder 2">
+            <a:extLst>
+              <a:ext uri="{FF2B5EF4-FFF2-40B4-BE49-F238E27FC236}">
+                <a16:creationId xmlns:a16="http://schemas.microsoft.com/office/drawing/2014/main" id="{0034F771-CCFF-BB42-1A97-777C78495883}"/>
+              </a:ext>
+            </a:extLst>
+          </p:cNvPr>
+          <p:cNvSpPr>
+            <a:spLocks noGrp="1"/>
+          </p:cNvSpPr>
+          <p:nvPr>
+            <p:ph idx="1"/>
+          </p:nvPr>
         </p:nvSpPr>
         <p:spPr>
           <a:xfrm>
-            <a:off x="460353" y="643466"/>
-            <a:ext cx="4792717" cy="1061829"/>
+            <a:off x="792162" y="942755"/>
+            <a:ext cx="9937750" cy="5218407"/>
+          </a:xfrm>
+        </p:spPr>
+        <p:txBody>
+          <a:bodyPr/>
+          <a:lstStyle/>
+          <a:p>
+            <a:pPr marL="0" indent="0">
+              <a:buNone/>
+            </a:pPr>
+            <a:r>
+              <a:rPr lang="cs-CZ" b="1" dirty="0"/>
+              <a:t>T-Testy</a:t>
+            </a:r>
+          </a:p>
+          <a:p>
+            <a:r>
+              <a:rPr lang="cs-CZ" dirty="0"/>
+              <a:t>Reprezentativní vzorek</a:t>
+            </a:r>
+          </a:p>
+          <a:p>
+            <a:r>
+              <a:rPr lang="cs-CZ" dirty="0"/>
+              <a:t>Nezávislé pozorování (kromě párového t-testu)</a:t>
+            </a:r>
+          </a:p>
+          <a:p>
+            <a:r>
+              <a:rPr lang="cs-CZ" dirty="0"/>
+              <a:t>Spojitá data</a:t>
+            </a:r>
+          </a:p>
+          <a:p>
+            <a:r>
+              <a:rPr lang="cs-CZ" dirty="0"/>
+              <a:t>Normálně rozdělená data/rozdíly</a:t>
+            </a:r>
+          </a:p>
+          <a:p>
+            <a:endParaRPr lang="cs-CZ" dirty="0"/>
+          </a:p>
+          <a:p>
+            <a:pPr marL="0" indent="0">
+              <a:buNone/>
+            </a:pPr>
+            <a:r>
+              <a:rPr lang="cs-CZ" b="1" dirty="0"/>
+              <a:t>+ Analýza rozptylu</a:t>
+            </a:r>
+          </a:p>
+          <a:p>
+            <a:r>
+              <a:rPr lang="cs-CZ" dirty="0"/>
+              <a:t>Stejné rozptyly</a:t>
+            </a:r>
+          </a:p>
+          <a:p>
+            <a:endParaRPr lang="cs-CZ" dirty="0"/>
+          </a:p>
+          <a:p>
+            <a:pPr marL="0" indent="0">
+              <a:buNone/>
+            </a:pPr>
+            <a:r>
+              <a:rPr lang="cs-CZ" b="1" dirty="0"/>
+              <a:t>+ Chí-kvadrát</a:t>
+            </a:r>
+          </a:p>
+          <a:p>
+            <a:pPr>
+              <a:buFont typeface="Wingdings" panose="05000000000000000000" pitchFamily="2" charset="2"/>
+              <a:buChar char="§"/>
+            </a:pPr>
+            <a:r>
+              <a:rPr lang="cs-CZ" dirty="0"/>
+              <a:t>Nominální data</a:t>
+            </a:r>
+          </a:p>
+          <a:p>
+            <a:pPr>
+              <a:buFont typeface="Wingdings" panose="05000000000000000000" pitchFamily="2" charset="2"/>
+              <a:buChar char="§"/>
+            </a:pPr>
+            <a:r>
+              <a:rPr lang="cs-CZ" dirty="0"/>
+              <a:t>Očekávané hodnoty &gt; 5</a:t>
+            </a:r>
+          </a:p>
+        </p:txBody>
+      </p:sp>
+    </p:spTree>
+    <p:extLst>
+      <p:ext uri="{BB962C8B-B14F-4D97-AF65-F5344CB8AC3E}">
+        <p14:creationId xmlns:p14="http://schemas.microsoft.com/office/powerpoint/2010/main" val="505259072"/>
+      </p:ext>
+    </p:extLst>
+  </p:cSld>
+  <p:clrMapOvr>
+    <a:masterClrMapping/>
+  </p:clrMapOvr>
+</p:sld>
+</file>
+
+<file path=ppt/slides/slide17.xml><?xml version="1.0" encoding="utf-8"?>
+<p:sld xmlns:a="http://schemas.openxmlformats.org/drawingml/2006/main" xmlns:r="http://schemas.openxmlformats.org/officeDocument/2006/relationships" xmlns:p="http://schemas.openxmlformats.org/presentationml/2006/main">
+  <p:cSld>
+    <p:spTree>
+      <p:nvGrpSpPr>
+        <p:cNvPr id="1" name="">
+          <a:extLst>
+            <a:ext uri="{FF2B5EF4-FFF2-40B4-BE49-F238E27FC236}">
+              <a16:creationId xmlns:a16="http://schemas.microsoft.com/office/drawing/2014/main" id="{298060D5-1ADC-76C1-5548-1BBB6C03B833}"/>
+            </a:ext>
+          </a:extLst>
+        </p:cNvPr>
+        <p:cNvGrpSpPr/>
+        <p:nvPr/>
+      </p:nvGrpSpPr>
+      <p:grpSpPr>
+        <a:xfrm>
+          <a:off x="0" y="0"/>
+          <a:ext cx="0" cy="0"/>
+          <a:chOff x="0" y="0"/>
+          <a:chExt cx="0" cy="0"/>
+        </a:xfrm>
+      </p:grpSpPr>
+      <p:sp>
+        <p:nvSpPr>
+          <p:cNvPr id="146434" name="Rectangle 2">
+            <a:extLst>
+              <a:ext uri="{FF2B5EF4-FFF2-40B4-BE49-F238E27FC236}">
+                <a16:creationId xmlns:a16="http://schemas.microsoft.com/office/drawing/2014/main" id="{0BDF558B-F70F-CF77-FF27-B76622FA7D9C}"/>
+              </a:ext>
+            </a:extLst>
+          </p:cNvPr>
+          <p:cNvSpPr>
+            <a:spLocks/>
+          </p:cNvSpPr>
+          <p:nvPr/>
+        </p:nvSpPr>
+        <p:spPr bwMode="auto">
+          <a:xfrm>
+            <a:off x="3222323" y="2620963"/>
+            <a:ext cx="4991752" cy="833150"/>
           </a:xfrm>
           <a:prstGeom prst="rect">
             <a:avLst/>
@@ -6889,406 +7179,516 @@
           <a:ln>
             <a:noFill/>
           </a:ln>
-          <a:extLst>
-            <a:ext uri="{909E8E84-426E-40DD-AFC4-6F175D3DCCD1}">
-              <a14:hiddenFill xmlns:a14="http://schemas.microsoft.com/office/drawing/2010/main">
-                <a:solidFill>
-                  <a:srgbClr val="FFFFFF"/>
-                </a:solidFill>
-              </a14:hiddenFill>
-            </a:ext>
-            <a:ext uri="{91240B29-F687-4F45-9708-019B960494DF}">
-              <a14:hiddenLine xmlns:a14="http://schemas.microsoft.com/office/drawing/2010/main" w="9525">
-                <a:solidFill>
-                  <a:srgbClr val="000000"/>
-                </a:solidFill>
-                <a:miter lim="800000"/>
-                <a:headEnd/>
-                <a:tailEnd/>
-              </a14:hiddenLine>
-            </a:ext>
-          </a:extLst>
         </p:spPr>
         <p:txBody>
-          <a:bodyPr vert="horz" wrap="square" lIns="91440" tIns="45720" rIns="91440" bIns="45720" numCol="1" rtlCol="0" anchor="ctr" anchorCtr="0" compatLnSpc="1">
-            <a:prstTxWarp prst="textNoShape">
-              <a:avLst/>
-            </a:prstTxWarp>
-            <a:normAutofit/>
+          <a:bodyPr wrap="none" lIns="0" tIns="108000" rIns="0" bIns="108000">
+            <a:spAutoFit/>
           </a:bodyPr>
           <a:lstStyle>
-            <a:lvl1pPr algn="ctr" eaLnBrk="1" hangingPunct="1">
-              <a:lnSpc>
-                <a:spcPct val="90000"/>
-              </a:lnSpc>
-              <a:defRPr sz="3500">
-                <a:solidFill>
-                  <a:srgbClr val="FFFFFF"/>
-                </a:solidFill>
-                <a:latin typeface="+mj-lt"/>
-                <a:ea typeface="+mj-ea"/>
-                <a:cs typeface="+mj-cs"/>
+            <a:lvl1pPr marL="228600" indent="-228600">
+              <a:lnSpc>
+                <a:spcPct val="120000"/>
+              </a:lnSpc>
+              <a:spcBef>
+                <a:spcPts val="1000"/>
+              </a:spcBef>
+              <a:buFont typeface="Arial" panose="020B0604020202020204" pitchFamily="34" charset="0"/>
+              <a:buChar char="•"/>
+              <a:defRPr sz="2600">
+                <a:solidFill>
+                  <a:srgbClr val="005CAC"/>
+                </a:solidFill>
+                <a:latin typeface="Century Gothic" panose="020B0502020202020204" pitchFamily="34" charset="0"/>
               </a:defRPr>
             </a:lvl1pPr>
-            <a:lvl2pPr>
-              <a:lnSpc>
-                <a:spcPct val="90000"/>
-              </a:lnSpc>
-              <a:defRPr sz="4400">
+            <a:lvl2pPr marL="685800" indent="-228600">
+              <a:lnSpc>
+                <a:spcPct val="110000"/>
+              </a:lnSpc>
+              <a:spcBef>
+                <a:spcPts val="500"/>
+              </a:spcBef>
+              <a:buFont typeface="Arial" panose="020B0604020202020204" pitchFamily="34" charset="0"/>
+              <a:buChar char="•"/>
+              <a:defRPr sz="2100">
+                <a:solidFill>
+                  <a:srgbClr val="4D4D4D"/>
+                </a:solidFill>
                 <a:latin typeface="Century Gothic" panose="020B0502020202020204" pitchFamily="34" charset="0"/>
               </a:defRPr>
             </a:lvl2pPr>
-            <a:lvl3pPr>
-              <a:lnSpc>
-                <a:spcPct val="90000"/>
-              </a:lnSpc>
-              <a:defRPr sz="4400">
+            <a:lvl3pPr marL="1143000" indent="-228600">
+              <a:lnSpc>
+                <a:spcPct val="90000"/>
+              </a:lnSpc>
+              <a:spcBef>
+                <a:spcPts val="500"/>
+              </a:spcBef>
+              <a:buFont typeface="Arial" panose="020B0604020202020204" pitchFamily="34" charset="0"/>
+              <a:buChar char="•"/>
+              <a:defRPr sz="1600">
+                <a:solidFill>
+                  <a:srgbClr val="4D4D4D"/>
+                </a:solidFill>
                 <a:latin typeface="Century Gothic" panose="020B0502020202020204" pitchFamily="34" charset="0"/>
               </a:defRPr>
             </a:lvl3pPr>
-            <a:lvl4pPr>
-              <a:lnSpc>
-                <a:spcPct val="90000"/>
-              </a:lnSpc>
-              <a:defRPr sz="4400">
+            <a:lvl4pPr marL="1600200" indent="-228600">
+              <a:lnSpc>
+                <a:spcPct val="90000"/>
+              </a:lnSpc>
+              <a:spcBef>
+                <a:spcPts val="500"/>
+              </a:spcBef>
+              <a:buFont typeface="Arial" panose="020B0604020202020204" pitchFamily="34" charset="0"/>
+              <a:buChar char="•"/>
+              <a:defRPr>
+                <a:solidFill>
+                  <a:srgbClr val="292929"/>
+                </a:solidFill>
                 <a:latin typeface="Century Gothic" panose="020B0502020202020204" pitchFamily="34" charset="0"/>
               </a:defRPr>
             </a:lvl4pPr>
-            <a:lvl5pPr>
-              <a:lnSpc>
-                <a:spcPct val="90000"/>
-              </a:lnSpc>
-              <a:defRPr sz="4400">
+            <a:lvl5pPr marL="2057400" indent="-228600">
+              <a:lnSpc>
+                <a:spcPct val="90000"/>
+              </a:lnSpc>
+              <a:spcBef>
+                <a:spcPts val="500"/>
+              </a:spcBef>
+              <a:buFont typeface="Arial" panose="020B0604020202020204" pitchFamily="34" charset="0"/>
+              <a:buChar char="•"/>
+              <a:defRPr>
+                <a:solidFill>
+                  <a:srgbClr val="292929"/>
+                </a:solidFill>
                 <a:latin typeface="Century Gothic" panose="020B0502020202020204" pitchFamily="34" charset="0"/>
               </a:defRPr>
             </a:lvl5pPr>
-            <a:lvl6pPr marL="457200" fontAlgn="base">
-              <a:lnSpc>
-                <a:spcPct val="90000"/>
-              </a:lnSpc>
-              <a:spcBef>
-                <a:spcPct val="0"/>
-              </a:spcBef>
-              <a:spcAft>
-                <a:spcPct val="0"/>
-              </a:spcAft>
-              <a:defRPr sz="4400">
+            <a:lvl6pPr marL="2514600" indent="-228600" fontAlgn="base">
+              <a:lnSpc>
+                <a:spcPct val="90000"/>
+              </a:lnSpc>
+              <a:spcBef>
+                <a:spcPts val="500"/>
+              </a:spcBef>
+              <a:spcAft>
+                <a:spcPct val="0"/>
+              </a:spcAft>
+              <a:buFont typeface="Arial" panose="020B0604020202020204" pitchFamily="34" charset="0"/>
+              <a:buChar char="•"/>
+              <a:defRPr>
+                <a:solidFill>
+                  <a:srgbClr val="292929"/>
+                </a:solidFill>
                 <a:latin typeface="Century Gothic" panose="020B0502020202020204" pitchFamily="34" charset="0"/>
               </a:defRPr>
             </a:lvl6pPr>
-            <a:lvl7pPr marL="914400" fontAlgn="base">
-              <a:lnSpc>
-                <a:spcPct val="90000"/>
-              </a:lnSpc>
-              <a:spcBef>
-                <a:spcPct val="0"/>
-              </a:spcBef>
-              <a:spcAft>
-                <a:spcPct val="0"/>
-              </a:spcAft>
-              <a:defRPr sz="4400">
+            <a:lvl7pPr marL="2971800" indent="-228600" fontAlgn="base">
+              <a:lnSpc>
+                <a:spcPct val="90000"/>
+              </a:lnSpc>
+              <a:spcBef>
+                <a:spcPts val="500"/>
+              </a:spcBef>
+              <a:spcAft>
+                <a:spcPct val="0"/>
+              </a:spcAft>
+              <a:buFont typeface="Arial" panose="020B0604020202020204" pitchFamily="34" charset="0"/>
+              <a:buChar char="•"/>
+              <a:defRPr>
+                <a:solidFill>
+                  <a:srgbClr val="292929"/>
+                </a:solidFill>
                 <a:latin typeface="Century Gothic" panose="020B0502020202020204" pitchFamily="34" charset="0"/>
               </a:defRPr>
             </a:lvl7pPr>
-            <a:lvl8pPr marL="1371600" fontAlgn="base">
-              <a:lnSpc>
-                <a:spcPct val="90000"/>
-              </a:lnSpc>
-              <a:spcBef>
-                <a:spcPct val="0"/>
-              </a:spcBef>
-              <a:spcAft>
-                <a:spcPct val="0"/>
-              </a:spcAft>
-              <a:defRPr sz="4400">
+            <a:lvl8pPr marL="3429000" indent="-228600" fontAlgn="base">
+              <a:lnSpc>
+                <a:spcPct val="90000"/>
+              </a:lnSpc>
+              <a:spcBef>
+                <a:spcPts val="500"/>
+              </a:spcBef>
+              <a:spcAft>
+                <a:spcPct val="0"/>
+              </a:spcAft>
+              <a:buFont typeface="Arial" panose="020B0604020202020204" pitchFamily="34" charset="0"/>
+              <a:buChar char="•"/>
+              <a:defRPr>
+                <a:solidFill>
+                  <a:srgbClr val="292929"/>
+                </a:solidFill>
                 <a:latin typeface="Century Gothic" panose="020B0502020202020204" pitchFamily="34" charset="0"/>
               </a:defRPr>
             </a:lvl8pPr>
-            <a:lvl9pPr marL="1828800" fontAlgn="base">
-              <a:lnSpc>
-                <a:spcPct val="90000"/>
-              </a:lnSpc>
-              <a:spcBef>
-                <a:spcPct val="0"/>
-              </a:spcBef>
-              <a:spcAft>
-                <a:spcPct val="0"/>
-              </a:spcAft>
-              <a:defRPr sz="4400">
+            <a:lvl9pPr marL="3886200" indent="-228600" fontAlgn="base">
+              <a:lnSpc>
+                <a:spcPct val="90000"/>
+              </a:lnSpc>
+              <a:spcBef>
+                <a:spcPts val="500"/>
+              </a:spcBef>
+              <a:spcAft>
+                <a:spcPct val="0"/>
+              </a:spcAft>
+              <a:buFont typeface="Arial" panose="020B0604020202020204" pitchFamily="34" charset="0"/>
+              <a:buChar char="•"/>
+              <a:defRPr>
+                <a:solidFill>
+                  <a:srgbClr val="292929"/>
+                </a:solidFill>
                 <a:latin typeface="Century Gothic" panose="020B0502020202020204" pitchFamily="34" charset="0"/>
               </a:defRPr>
             </a:lvl9pPr>
           </a:lstStyle>
           <a:p>
-            <a:pPr algn="l"/>
-            <a:r>
-              <a:rPr lang="cs-CZ" dirty="0">
-                <a:solidFill>
-                  <a:srgbClr val="292929"/>
-                </a:solidFill>
+            <a:pPr algn="ctr" defTabSz="914400" eaLnBrk="1" hangingPunct="1">
+              <a:lnSpc>
+                <a:spcPct val="90000"/>
+              </a:lnSpc>
+              <a:buFont typeface="Arial" panose="020B0604020202020204" pitchFamily="34" charset="0"/>
+              <a:buNone/>
+              <a:defRPr/>
+            </a:pPr>
+            <a:r>
+              <a:rPr lang="cs-CZ" altLang="cs-CZ" sz="4400" b="0" dirty="0">
+                <a:solidFill>
+                  <a:srgbClr val="0074B0"/>
+                </a:solidFill>
+                <a:latin typeface="Poppins"/>
+                <a:ea typeface="+mj-ea"/>
+                <a:cs typeface="Poppins"/>
               </a:rPr>
-              <a:t>Test průměru skupiny</a:t>
-            </a:r>
-            <a:endParaRPr lang="en-US" dirty="0">
-              <a:solidFill>
-                <a:srgbClr val="292929"/>
-              </a:solidFill>
-            </a:endParaRPr>
-          </a:p>
-        </p:txBody>
-      </p:sp>
-      <p:sp>
-        <p:nvSpPr>
-          <p:cNvPr id="4" name="Rectangle 2">
-            <a:extLst>
-              <a:ext uri="{FF2B5EF4-FFF2-40B4-BE49-F238E27FC236}">
-                <a16:creationId xmlns:a16="http://schemas.microsoft.com/office/drawing/2014/main" id="{6C43FBF3-B526-6047-4CF7-AC01D55977E2}"/>
-              </a:ext>
-            </a:extLst>
-          </p:cNvPr>
-          <p:cNvSpPr txBox="1">
-            <a:spLocks/>
-          </p:cNvSpPr>
-          <p:nvPr/>
-        </p:nvSpPr>
-        <p:spPr bwMode="auto">
-          <a:xfrm>
-            <a:off x="140154" y="1899867"/>
-            <a:ext cx="10845258" cy="3927068"/>
-          </a:xfrm>
-          <a:prstGeom prst="rect">
-            <a:avLst/>
-          </a:prstGeom>
-          <a:noFill/>
-          <a:ln>
-            <a:noFill/>
-          </a:ln>
-          <a:extLst>
-            <a:ext uri="{909E8E84-426E-40DD-AFC4-6F175D3DCCD1}">
-              <a14:hiddenFill xmlns:a14="http://schemas.microsoft.com/office/drawing/2010/main">
-                <a:solidFill>
-                  <a:srgbClr val="FFFFFF"/>
-                </a:solidFill>
-              </a14:hiddenFill>
-            </a:ext>
-            <a:ext uri="{91240B29-F687-4F45-9708-019B960494DF}">
-              <a14:hiddenLine xmlns:a14="http://schemas.microsoft.com/office/drawing/2010/main" w="9525">
-                <a:solidFill>
-                  <a:srgbClr val="000000"/>
-                </a:solidFill>
-                <a:miter lim="800000"/>
-                <a:headEnd/>
-                <a:tailEnd/>
-              </a14:hiddenLine>
-            </a:ext>
-          </a:extLst>
-        </p:spPr>
-        <p:txBody>
-          <a:bodyPr vert="horz" wrap="square" lIns="91440" tIns="45720" rIns="91440" bIns="45720" numCol="1" rtlCol="0" anchor="t" anchorCtr="0" compatLnSpc="1">
-            <a:prstTxWarp prst="textNoShape">
-              <a:avLst/>
-            </a:prstTxWarp>
-            <a:normAutofit/>
-          </a:bodyPr>
-          <a:lstStyle>
-            <a:lvl1pPr algn="l" rtl="0" eaLnBrk="0" fontAlgn="base" hangingPunct="0">
-              <a:lnSpc>
-                <a:spcPct val="90000"/>
-              </a:lnSpc>
-              <a:spcBef>
-                <a:spcPct val="0"/>
-              </a:spcBef>
-              <a:spcAft>
-                <a:spcPct val="0"/>
-              </a:spcAft>
-              <a:defRPr sz="4400" kern="1200">
-                <a:solidFill>
-                  <a:schemeClr val="tx1"/>
-                </a:solidFill>
-                <a:latin typeface="+mj-lt"/>
-                <a:ea typeface="+mj-ea"/>
-                <a:cs typeface="+mj-cs"/>
-              </a:defRPr>
-            </a:lvl1pPr>
-            <a:lvl2pPr algn="l" rtl="0" eaLnBrk="0" fontAlgn="base" hangingPunct="0">
-              <a:lnSpc>
-                <a:spcPct val="90000"/>
-              </a:lnSpc>
-              <a:spcBef>
-                <a:spcPct val="0"/>
-              </a:spcBef>
-              <a:spcAft>
-                <a:spcPct val="0"/>
-              </a:spcAft>
-              <a:defRPr sz="4400">
-                <a:solidFill>
-                  <a:schemeClr val="tx1"/>
-                </a:solidFill>
-                <a:latin typeface="Century Gothic" panose="020B0502020202020204" pitchFamily="34" charset="0"/>
-              </a:defRPr>
-            </a:lvl2pPr>
-            <a:lvl3pPr algn="l" rtl="0" eaLnBrk="0" fontAlgn="base" hangingPunct="0">
-              <a:lnSpc>
-                <a:spcPct val="90000"/>
-              </a:lnSpc>
-              <a:spcBef>
-                <a:spcPct val="0"/>
-              </a:spcBef>
-              <a:spcAft>
-                <a:spcPct val="0"/>
-              </a:spcAft>
-              <a:defRPr sz="4400">
-                <a:solidFill>
-                  <a:schemeClr val="tx1"/>
-                </a:solidFill>
-                <a:latin typeface="Century Gothic" panose="020B0502020202020204" pitchFamily="34" charset="0"/>
-              </a:defRPr>
-            </a:lvl3pPr>
-            <a:lvl4pPr algn="l" rtl="0" eaLnBrk="0" fontAlgn="base" hangingPunct="0">
-              <a:lnSpc>
-                <a:spcPct val="90000"/>
-              </a:lnSpc>
-              <a:spcBef>
-                <a:spcPct val="0"/>
-              </a:spcBef>
-              <a:spcAft>
-                <a:spcPct val="0"/>
-              </a:spcAft>
-              <a:defRPr sz="4400">
-                <a:solidFill>
-                  <a:schemeClr val="tx1"/>
-                </a:solidFill>
-                <a:latin typeface="Century Gothic" panose="020B0502020202020204" pitchFamily="34" charset="0"/>
-              </a:defRPr>
-            </a:lvl4pPr>
-            <a:lvl5pPr algn="l" rtl="0" eaLnBrk="0" fontAlgn="base" hangingPunct="0">
-              <a:lnSpc>
-                <a:spcPct val="90000"/>
-              </a:lnSpc>
-              <a:spcBef>
-                <a:spcPct val="0"/>
-              </a:spcBef>
-              <a:spcAft>
-                <a:spcPct val="0"/>
-              </a:spcAft>
-              <a:defRPr sz="4400">
-                <a:solidFill>
-                  <a:schemeClr val="tx1"/>
-                </a:solidFill>
-                <a:latin typeface="Century Gothic" panose="020B0502020202020204" pitchFamily="34" charset="0"/>
-              </a:defRPr>
-            </a:lvl5pPr>
-            <a:lvl6pPr marL="457200" algn="l" rtl="0" fontAlgn="base">
-              <a:lnSpc>
-                <a:spcPct val="90000"/>
-              </a:lnSpc>
-              <a:spcBef>
-                <a:spcPct val="0"/>
-              </a:spcBef>
-              <a:spcAft>
-                <a:spcPct val="0"/>
-              </a:spcAft>
-              <a:defRPr sz="4400">
-                <a:solidFill>
-                  <a:schemeClr val="tx1"/>
-                </a:solidFill>
-                <a:latin typeface="Century Gothic" panose="020B0502020202020204" pitchFamily="34" charset="0"/>
-              </a:defRPr>
-            </a:lvl6pPr>
-            <a:lvl7pPr marL="914400" algn="l" rtl="0" fontAlgn="base">
-              <a:lnSpc>
-                <a:spcPct val="90000"/>
-              </a:lnSpc>
-              <a:spcBef>
-                <a:spcPct val="0"/>
-              </a:spcBef>
-              <a:spcAft>
-                <a:spcPct val="0"/>
-              </a:spcAft>
-              <a:defRPr sz="4400">
-                <a:solidFill>
-                  <a:schemeClr val="tx1"/>
-                </a:solidFill>
-                <a:latin typeface="Century Gothic" panose="020B0502020202020204" pitchFamily="34" charset="0"/>
-              </a:defRPr>
-            </a:lvl7pPr>
-            <a:lvl8pPr marL="1371600" algn="l" rtl="0" fontAlgn="base">
-              <a:lnSpc>
-                <a:spcPct val="90000"/>
-              </a:lnSpc>
-              <a:spcBef>
-                <a:spcPct val="0"/>
-              </a:spcBef>
-              <a:spcAft>
-                <a:spcPct val="0"/>
-              </a:spcAft>
-              <a:defRPr sz="4400">
-                <a:solidFill>
-                  <a:schemeClr val="tx1"/>
-                </a:solidFill>
-                <a:latin typeface="Century Gothic" panose="020B0502020202020204" pitchFamily="34" charset="0"/>
-              </a:defRPr>
-            </a:lvl8pPr>
-            <a:lvl9pPr marL="1828800" algn="l" rtl="0" fontAlgn="base">
-              <a:lnSpc>
-                <a:spcPct val="90000"/>
-              </a:lnSpc>
-              <a:spcBef>
-                <a:spcPct val="0"/>
-              </a:spcBef>
-              <a:spcAft>
-                <a:spcPct val="0"/>
-              </a:spcAft>
-              <a:defRPr sz="4400">
-                <a:solidFill>
-                  <a:schemeClr val="tx1"/>
-                </a:solidFill>
-                <a:latin typeface="Century Gothic" panose="020B0502020202020204" pitchFamily="34" charset="0"/>
-              </a:defRPr>
-            </a:lvl9pPr>
-          </a:lstStyle>
-          <a:p>
-            <a:pPr defTabSz="914400" eaLnBrk="1" hangingPunct="1">
-              <a:spcAft>
-                <a:spcPts val="1200"/>
-              </a:spcAft>
-            </a:pPr>
-            <a:r>
-              <a:rPr lang="cs-CZ" altLang="cs-CZ" sz="2400" b="0" dirty="0">
-                <a:solidFill>
-                  <a:srgbClr val="292929"/>
-                </a:solidFill>
-              </a:rPr>
-              <a:t>Parametrický test – </a:t>
-            </a:r>
-            <a:r>
-              <a:rPr lang="cs-CZ" altLang="cs-CZ" sz="2400" b="0" dirty="0" err="1">
-                <a:solidFill>
-                  <a:srgbClr val="292929"/>
-                </a:solidFill>
-              </a:rPr>
-              <a:t>jednovýběrový</a:t>
-            </a:r>
-            <a:r>
-              <a:rPr lang="cs-CZ" altLang="cs-CZ" sz="2400" b="0" dirty="0">
-                <a:solidFill>
-                  <a:srgbClr val="292929"/>
-                </a:solidFill>
-              </a:rPr>
-              <a:t> t-test</a:t>
-            </a:r>
-            <a:endParaRPr lang="en-US" altLang="cs-CZ" sz="2400" b="0" dirty="0">
-              <a:solidFill>
-                <a:srgbClr val="292929"/>
-              </a:solidFill>
-            </a:endParaRPr>
+              <a:t>Korelační analýza</a:t>
+            </a:r>
           </a:p>
         </p:txBody>
       </p:sp>
     </p:spTree>
     <p:extLst>
       <p:ext uri="{BB962C8B-B14F-4D97-AF65-F5344CB8AC3E}">
-        <p14:creationId xmlns:p14="http://schemas.microsoft.com/office/powerpoint/2010/main" val="757776721"/>
+        <p14:creationId xmlns:p14="http://schemas.microsoft.com/office/powerpoint/2010/main" val="2818219810"/>
+      </p:ext>
+    </p:extLst>
+  </p:cSld>
+  <p:clrMapOvr>
+    <a:masterClrMapping/>
+  </p:clrMapOvr>
+</p:sld>
+</file>
+
+<file path=ppt/slides/slide18.xml><?xml version="1.0" encoding="utf-8"?>
+<p:sld xmlns:a="http://schemas.openxmlformats.org/drawingml/2006/main" xmlns:r="http://schemas.openxmlformats.org/officeDocument/2006/relationships" xmlns:p="http://schemas.openxmlformats.org/presentationml/2006/main">
+  <p:cSld>
+    <p:spTree>
+      <p:nvGrpSpPr>
+        <p:cNvPr id="1" name="">
+          <a:extLst>
+            <a:ext uri="{FF2B5EF4-FFF2-40B4-BE49-F238E27FC236}">
+              <a16:creationId xmlns:a16="http://schemas.microsoft.com/office/drawing/2014/main" id="{83734120-DA94-C070-F109-01F42583A89F}"/>
+            </a:ext>
+          </a:extLst>
+        </p:cNvPr>
+        <p:cNvGrpSpPr/>
+        <p:nvPr/>
+      </p:nvGrpSpPr>
+      <p:grpSpPr>
+        <a:xfrm>
+          <a:off x="0" y="0"/>
+          <a:ext cx="0" cy="0"/>
+          <a:chOff x="0" y="0"/>
+          <a:chExt cx="0" cy="0"/>
+        </a:xfrm>
+      </p:grpSpPr>
+      <p:sp>
+        <p:nvSpPr>
+          <p:cNvPr id="2" name="Title 1">
+            <a:extLst>
+              <a:ext uri="{FF2B5EF4-FFF2-40B4-BE49-F238E27FC236}">
+                <a16:creationId xmlns:a16="http://schemas.microsoft.com/office/drawing/2014/main" id="{67564186-E3F6-2933-980E-9A5F148EF6AC}"/>
+              </a:ext>
+            </a:extLst>
+          </p:cNvPr>
+          <p:cNvSpPr>
+            <a:spLocks noGrp="1"/>
+          </p:cNvSpPr>
+          <p:nvPr>
+            <p:ph type="title"/>
+          </p:nvPr>
+        </p:nvSpPr>
+        <p:spPr/>
+        <p:txBody>
+          <a:bodyPr/>
+          <a:lstStyle/>
+          <a:p>
+            <a:r>
+              <a:rPr lang="cs-CZ" dirty="0"/>
+              <a:t>Nejdůležitější základy</a:t>
+            </a:r>
+            <a:endParaRPr lang="en-US" dirty="0"/>
+          </a:p>
+        </p:txBody>
+      </p:sp>
+      <p:sp>
+        <p:nvSpPr>
+          <p:cNvPr id="3" name="Content Placeholder 2">
+            <a:extLst>
+              <a:ext uri="{FF2B5EF4-FFF2-40B4-BE49-F238E27FC236}">
+                <a16:creationId xmlns:a16="http://schemas.microsoft.com/office/drawing/2014/main" id="{C1DF763B-C0FB-7158-F484-C1B0549BDF15}"/>
+              </a:ext>
+            </a:extLst>
+          </p:cNvPr>
+          <p:cNvSpPr>
+            <a:spLocks noGrp="1"/>
+          </p:cNvSpPr>
+          <p:nvPr>
+            <p:ph idx="1"/>
+          </p:nvPr>
+        </p:nvSpPr>
+        <p:spPr/>
+        <p:txBody>
+          <a:bodyPr/>
+          <a:lstStyle/>
+          <a:p>
+            <a:pPr marL="0" indent="0">
+              <a:buNone/>
+            </a:pPr>
+            <a:r>
+              <a:rPr lang="cs-CZ" dirty="0"/>
+              <a:t>Zkoumá vzájemný vliv</a:t>
+            </a:r>
+          </a:p>
+          <a:p>
+            <a:pPr marL="0" indent="0">
+              <a:buNone/>
+            </a:pPr>
+            <a:r>
+              <a:rPr lang="cs-CZ" dirty="0"/>
+              <a:t>Korelace != kauzalita</a:t>
+            </a:r>
+          </a:p>
+          <a:p>
+            <a:pPr marL="0" indent="0">
+              <a:buNone/>
+            </a:pPr>
+            <a:r>
+              <a:rPr lang="cs-CZ" dirty="0">
+                <a:hlinkClick r:id="rId2"/>
+              </a:rPr>
+              <a:t>https://www.tylervigen.com/spurious-correlations</a:t>
+            </a:r>
+            <a:endParaRPr lang="cs-CZ" dirty="0"/>
+          </a:p>
+          <a:p>
+            <a:pPr marL="0" indent="0">
+              <a:buNone/>
+            </a:pPr>
+            <a:endParaRPr lang="cs-CZ" dirty="0"/>
+          </a:p>
+          <a:p>
+            <a:pPr marL="0" indent="0">
+              <a:buNone/>
+            </a:pPr>
+            <a:r>
+              <a:rPr lang="cs-CZ" dirty="0"/>
+              <a:t>Korelace = 0 !=&gt; nezávislost</a:t>
+            </a:r>
+          </a:p>
+          <a:p>
+            <a:pPr marL="0" indent="0">
+              <a:buNone/>
+            </a:pPr>
+            <a:r>
+              <a:rPr lang="cs-CZ" dirty="0">
+                <a:hlinkClick r:id="rId3"/>
+              </a:rPr>
+              <a:t>https://www.research.autodesk.com/publications/same-stats-</a:t>
+            </a:r>
+            <a:r>
+              <a:rPr lang="cs-CZ" dirty="0">
+                <a:hlinkClick r:id="rId3"/>
+              </a:rPr>
+              <a:t>d</a:t>
+            </a:r>
+            <a:r>
+              <a:rPr lang="cs-CZ" dirty="0">
+                <a:hlinkClick r:id="rId3"/>
+              </a:rPr>
+              <a:t>ifferent-graphs</a:t>
+            </a:r>
+            <a:endParaRPr lang="cs-CZ" dirty="0"/>
+          </a:p>
+          <a:p>
+            <a:pPr marL="0" indent="0">
+              <a:buNone/>
+            </a:pPr>
+            <a:r>
+              <a:rPr lang="cs-CZ" dirty="0"/>
+              <a:t>	</a:t>
+            </a:r>
+          </a:p>
+        </p:txBody>
+      </p:sp>
+    </p:spTree>
+    <p:extLst>
+      <p:ext uri="{BB962C8B-B14F-4D97-AF65-F5344CB8AC3E}">
+        <p14:creationId xmlns:p14="http://schemas.microsoft.com/office/powerpoint/2010/main" val="29433173"/>
+      </p:ext>
+    </p:extLst>
+  </p:cSld>
+  <p:clrMapOvr>
+    <a:masterClrMapping/>
+  </p:clrMapOvr>
+</p:sld>
+</file>
+
+<file path=ppt/slides/slide19.xml><?xml version="1.0" encoding="utf-8"?>
+<p:sld xmlns:a="http://schemas.openxmlformats.org/drawingml/2006/main" xmlns:r="http://schemas.openxmlformats.org/officeDocument/2006/relationships" xmlns:p="http://schemas.openxmlformats.org/presentationml/2006/main">
+  <p:cSld>
+    <p:spTree>
+      <p:nvGrpSpPr>
+        <p:cNvPr id="1" name="">
+          <a:extLst>
+            <a:ext uri="{FF2B5EF4-FFF2-40B4-BE49-F238E27FC236}">
+              <a16:creationId xmlns:a16="http://schemas.microsoft.com/office/drawing/2014/main" id="{E9923431-D1ED-7863-B126-5B522E954C2E}"/>
+            </a:ext>
+          </a:extLst>
+        </p:cNvPr>
+        <p:cNvGrpSpPr/>
+        <p:nvPr/>
+      </p:nvGrpSpPr>
+      <p:grpSpPr>
+        <a:xfrm>
+          <a:off x="0" y="0"/>
+          <a:ext cx="0" cy="0"/>
+          <a:chOff x="0" y="0"/>
+          <a:chExt cx="0" cy="0"/>
+        </a:xfrm>
+      </p:grpSpPr>
+      <p:sp>
+        <p:nvSpPr>
+          <p:cNvPr id="2" name="Title 1">
+            <a:extLst>
+              <a:ext uri="{FF2B5EF4-FFF2-40B4-BE49-F238E27FC236}">
+                <a16:creationId xmlns:a16="http://schemas.microsoft.com/office/drawing/2014/main" id="{A3E19728-3E97-FE0A-2854-46091E8D880A}"/>
+              </a:ext>
+            </a:extLst>
+          </p:cNvPr>
+          <p:cNvSpPr>
+            <a:spLocks noGrp="1"/>
+          </p:cNvSpPr>
+          <p:nvPr>
+            <p:ph type="title"/>
+          </p:nvPr>
+        </p:nvSpPr>
+        <p:spPr/>
+        <p:txBody>
+          <a:bodyPr/>
+          <a:lstStyle/>
+          <a:p>
+            <a:r>
+              <a:rPr lang="cs-CZ" dirty="0" err="1"/>
+              <a:t>Pearsonův</a:t>
+            </a:r>
+            <a:r>
+              <a:rPr lang="cs-CZ" dirty="0"/>
+              <a:t> lineární korelační koeficienty</a:t>
+            </a:r>
+            <a:endParaRPr lang="en-US" dirty="0"/>
+          </a:p>
+        </p:txBody>
+      </p:sp>
+      <p:sp>
+        <p:nvSpPr>
+          <p:cNvPr id="3" name="Content Placeholder 2">
+            <a:extLst>
+              <a:ext uri="{FF2B5EF4-FFF2-40B4-BE49-F238E27FC236}">
+                <a16:creationId xmlns:a16="http://schemas.microsoft.com/office/drawing/2014/main" id="{074FCDE3-BE8C-8917-D822-AC81E83719DE}"/>
+              </a:ext>
+            </a:extLst>
+          </p:cNvPr>
+          <p:cNvSpPr>
+            <a:spLocks noGrp="1"/>
+          </p:cNvSpPr>
+          <p:nvPr>
+            <p:ph idx="1"/>
+          </p:nvPr>
+        </p:nvSpPr>
+        <p:spPr/>
+        <p:txBody>
+          <a:bodyPr/>
+          <a:lstStyle/>
+          <a:p>
+            <a:pPr marL="0" indent="0">
+              <a:spcAft>
+                <a:spcPts val="600"/>
+              </a:spcAft>
+              <a:buNone/>
+            </a:pPr>
+            <a:r>
+              <a:rPr lang="cs-CZ" dirty="0"/>
+              <a:t>Zkoumá </a:t>
+            </a:r>
+            <a:r>
+              <a:rPr lang="cs-CZ" b="1" dirty="0"/>
+              <a:t>lineární</a:t>
+            </a:r>
+            <a:r>
+              <a:rPr lang="cs-CZ" dirty="0"/>
+              <a:t> závislost na </a:t>
+            </a:r>
+            <a:r>
+              <a:rPr lang="cs-CZ" b="1" dirty="0"/>
+              <a:t>spojitých </a:t>
+            </a:r>
+            <a:r>
+              <a:rPr lang="cs-CZ" dirty="0"/>
+              <a:t>datech</a:t>
+            </a:r>
+          </a:p>
+          <a:p>
+            <a:pPr marL="0" indent="0">
+              <a:spcAft>
+                <a:spcPts val="600"/>
+              </a:spcAft>
+              <a:buNone/>
+            </a:pPr>
+            <a:r>
+              <a:rPr lang="cs-CZ" dirty="0"/>
+              <a:t>r je mezi &lt;-1, 1&gt;</a:t>
+            </a:r>
+          </a:p>
+          <a:p>
+            <a:pPr marL="0" indent="0">
+              <a:spcAft>
+                <a:spcPts val="600"/>
+              </a:spcAft>
+              <a:buNone/>
+            </a:pPr>
+            <a:r>
+              <a:rPr lang="cs-CZ" dirty="0"/>
+              <a:t>+/- -&gt; směr závislosti</a:t>
+            </a:r>
+          </a:p>
+          <a:p>
+            <a:pPr marL="0" indent="0">
+              <a:spcAft>
+                <a:spcPts val="600"/>
+              </a:spcAft>
+              <a:buNone/>
+            </a:pPr>
+            <a:r>
+              <a:rPr lang="cs-CZ" dirty="0"/>
+              <a:t>|r| -&gt; síla závislosti</a:t>
+            </a:r>
+          </a:p>
+        </p:txBody>
+      </p:sp>
+    </p:spTree>
+    <p:extLst>
+      <p:ext uri="{BB962C8B-B14F-4D97-AF65-F5344CB8AC3E}">
+        <p14:creationId xmlns:p14="http://schemas.microsoft.com/office/powerpoint/2010/main" val="540978354"/>
       </p:ext>
     </p:extLst>
   </p:cSld>
@@ -7528,6 +7928,776 @@
         </p:txBody>
       </p:sp>
     </p:spTree>
+  </p:cSld>
+  <p:clrMapOvr>
+    <a:masterClrMapping/>
+  </p:clrMapOvr>
+</p:sld>
+</file>
+
+<file path=ppt/slides/slide20.xml><?xml version="1.0" encoding="utf-8"?>
+<p:sld xmlns:a="http://schemas.openxmlformats.org/drawingml/2006/main" xmlns:r="http://schemas.openxmlformats.org/officeDocument/2006/relationships" xmlns:p="http://schemas.openxmlformats.org/presentationml/2006/main">
+  <p:cSld>
+    <p:spTree>
+      <p:nvGrpSpPr>
+        <p:cNvPr id="1" name="">
+          <a:extLst>
+            <a:ext uri="{FF2B5EF4-FFF2-40B4-BE49-F238E27FC236}">
+              <a16:creationId xmlns:a16="http://schemas.microsoft.com/office/drawing/2014/main" id="{7A63F091-0313-EED7-CDE5-06435AC4A2FD}"/>
+            </a:ext>
+          </a:extLst>
+        </p:cNvPr>
+        <p:cNvGrpSpPr/>
+        <p:nvPr/>
+      </p:nvGrpSpPr>
+      <p:grpSpPr>
+        <a:xfrm>
+          <a:off x="0" y="0"/>
+          <a:ext cx="0" cy="0"/>
+          <a:chOff x="0" y="0"/>
+          <a:chExt cx="0" cy="0"/>
+        </a:xfrm>
+      </p:grpSpPr>
+      <p:sp>
+        <p:nvSpPr>
+          <p:cNvPr id="2" name="Title 1">
+            <a:extLst>
+              <a:ext uri="{FF2B5EF4-FFF2-40B4-BE49-F238E27FC236}">
+                <a16:creationId xmlns:a16="http://schemas.microsoft.com/office/drawing/2014/main" id="{2CE96B0C-7E10-7259-B8C6-5E9085CC1FE8}"/>
+              </a:ext>
+            </a:extLst>
+          </p:cNvPr>
+          <p:cNvSpPr>
+            <a:spLocks noGrp="1"/>
+          </p:cNvSpPr>
+          <p:nvPr>
+            <p:ph type="title"/>
+          </p:nvPr>
+        </p:nvSpPr>
+        <p:spPr/>
+        <p:txBody>
+          <a:bodyPr/>
+          <a:lstStyle/>
+          <a:p>
+            <a:r>
+              <a:rPr lang="cs-CZ" dirty="0" err="1"/>
+              <a:t>Pearsonův</a:t>
+            </a:r>
+            <a:r>
+              <a:rPr lang="cs-CZ" dirty="0"/>
+              <a:t> lineární korelační koeficienty</a:t>
+            </a:r>
+            <a:endParaRPr lang="en-US" dirty="0"/>
+          </a:p>
+        </p:txBody>
+      </p:sp>
+      <p:sp>
+        <p:nvSpPr>
+          <p:cNvPr id="3" name="Content Placeholder 2">
+            <a:extLst>
+              <a:ext uri="{FF2B5EF4-FFF2-40B4-BE49-F238E27FC236}">
+                <a16:creationId xmlns:a16="http://schemas.microsoft.com/office/drawing/2014/main" id="{EE4F387E-EC8F-2E44-8C2E-E82233144167}"/>
+              </a:ext>
+            </a:extLst>
+          </p:cNvPr>
+          <p:cNvSpPr>
+            <a:spLocks noGrp="1"/>
+          </p:cNvSpPr>
+          <p:nvPr>
+            <p:ph idx="1"/>
+          </p:nvPr>
+        </p:nvSpPr>
+        <p:spPr/>
+        <p:txBody>
+          <a:bodyPr/>
+          <a:lstStyle/>
+          <a:p>
+            <a:pPr marL="0" indent="0">
+              <a:spcAft>
+                <a:spcPts val="600"/>
+              </a:spcAft>
+              <a:buNone/>
+            </a:pPr>
+            <a:r>
+              <a:rPr lang="cs-CZ" dirty="0"/>
+              <a:t>Lze testovat pomocí </a:t>
+            </a:r>
+            <a:r>
+              <a:rPr lang="cs-CZ" b="1" dirty="0"/>
+              <a:t>testování hypotéz</a:t>
+            </a:r>
+          </a:p>
+          <a:p>
+            <a:pPr marL="0" indent="0">
+              <a:spcAft>
+                <a:spcPts val="600"/>
+              </a:spcAft>
+              <a:buNone/>
+            </a:pPr>
+            <a:r>
+              <a:rPr lang="cs-CZ" dirty="0"/>
+              <a:t>Předpoklad normality</a:t>
+            </a:r>
+          </a:p>
+          <a:p>
+            <a:pPr marL="0" indent="0">
+              <a:spcAft>
+                <a:spcPts val="600"/>
+              </a:spcAft>
+              <a:buNone/>
+            </a:pPr>
+            <a:r>
+              <a:rPr lang="cs-CZ" dirty="0"/>
+              <a:t>Předpoklad stejného rozptylu</a:t>
+            </a:r>
+          </a:p>
+        </p:txBody>
+      </p:sp>
+    </p:spTree>
+    <p:extLst>
+      <p:ext uri="{BB962C8B-B14F-4D97-AF65-F5344CB8AC3E}">
+        <p14:creationId xmlns:p14="http://schemas.microsoft.com/office/powerpoint/2010/main" val="3751486129"/>
+      </p:ext>
+    </p:extLst>
+  </p:cSld>
+  <p:clrMapOvr>
+    <a:masterClrMapping/>
+  </p:clrMapOvr>
+</p:sld>
+</file>
+
+<file path=ppt/slides/slide21.xml><?xml version="1.0" encoding="utf-8"?>
+<p:sld xmlns:a="http://schemas.openxmlformats.org/drawingml/2006/main" xmlns:r="http://schemas.openxmlformats.org/officeDocument/2006/relationships" xmlns:p="http://schemas.openxmlformats.org/presentationml/2006/main">
+  <p:cSld>
+    <p:spTree>
+      <p:nvGrpSpPr>
+        <p:cNvPr id="1" name="">
+          <a:extLst>
+            <a:ext uri="{FF2B5EF4-FFF2-40B4-BE49-F238E27FC236}">
+              <a16:creationId xmlns:a16="http://schemas.microsoft.com/office/drawing/2014/main" id="{7E66C608-3EDE-37F9-88EF-80BA63500D7C}"/>
+            </a:ext>
+          </a:extLst>
+        </p:cNvPr>
+        <p:cNvGrpSpPr/>
+        <p:nvPr/>
+      </p:nvGrpSpPr>
+      <p:grpSpPr>
+        <a:xfrm>
+          <a:off x="0" y="0"/>
+          <a:ext cx="0" cy="0"/>
+          <a:chOff x="0" y="0"/>
+          <a:chExt cx="0" cy="0"/>
+        </a:xfrm>
+      </p:grpSpPr>
+      <p:sp>
+        <p:nvSpPr>
+          <p:cNvPr id="2" name="Title 1">
+            <a:extLst>
+              <a:ext uri="{FF2B5EF4-FFF2-40B4-BE49-F238E27FC236}">
+                <a16:creationId xmlns:a16="http://schemas.microsoft.com/office/drawing/2014/main" id="{CF5FA8EF-2A8F-AC2F-E3E6-56D42B807370}"/>
+              </a:ext>
+            </a:extLst>
+          </p:cNvPr>
+          <p:cNvSpPr>
+            <a:spLocks noGrp="1"/>
+          </p:cNvSpPr>
+          <p:nvPr>
+            <p:ph type="title"/>
+          </p:nvPr>
+        </p:nvSpPr>
+        <p:spPr/>
+        <p:txBody>
+          <a:bodyPr/>
+          <a:lstStyle/>
+          <a:p>
+            <a:r>
+              <a:rPr lang="cs-CZ" dirty="0"/>
+              <a:t>Neparametrické korelační koeficienty</a:t>
+            </a:r>
+            <a:endParaRPr lang="en-US" dirty="0"/>
+          </a:p>
+        </p:txBody>
+      </p:sp>
+      <p:sp>
+        <p:nvSpPr>
+          <p:cNvPr id="3" name="Content Placeholder 2">
+            <a:extLst>
+              <a:ext uri="{FF2B5EF4-FFF2-40B4-BE49-F238E27FC236}">
+                <a16:creationId xmlns:a16="http://schemas.microsoft.com/office/drawing/2014/main" id="{3FBC0C62-798D-573B-253B-1C54D0AA4366}"/>
+              </a:ext>
+            </a:extLst>
+          </p:cNvPr>
+          <p:cNvSpPr>
+            <a:spLocks noGrp="1"/>
+          </p:cNvSpPr>
+          <p:nvPr>
+            <p:ph idx="1"/>
+          </p:nvPr>
+        </p:nvSpPr>
+        <p:spPr/>
+        <p:txBody>
+          <a:bodyPr/>
+          <a:lstStyle/>
+          <a:p>
+            <a:pPr marL="0" indent="0">
+              <a:spcAft>
+                <a:spcPts val="600"/>
+              </a:spcAft>
+              <a:buNone/>
+            </a:pPr>
+            <a:r>
+              <a:rPr lang="cs-CZ" dirty="0" err="1"/>
+              <a:t>Spearmanovo</a:t>
+            </a:r>
+            <a:r>
+              <a:rPr lang="cs-CZ" dirty="0"/>
+              <a:t> </a:t>
+            </a:r>
+            <a:r>
+              <a:rPr lang="cs-CZ" dirty="0" err="1"/>
+              <a:t>rho</a:t>
+            </a:r>
+            <a:r>
+              <a:rPr lang="cs-CZ" dirty="0"/>
+              <a:t> pro malé vzorky</a:t>
+            </a:r>
+          </a:p>
+          <a:p>
+            <a:pPr marL="0" indent="0">
+              <a:spcAft>
+                <a:spcPts val="600"/>
+              </a:spcAft>
+              <a:buNone/>
+            </a:pPr>
+            <a:r>
+              <a:rPr lang="cs-CZ" dirty="0" err="1"/>
+              <a:t>Kendalovo</a:t>
+            </a:r>
+            <a:r>
+              <a:rPr lang="cs-CZ" dirty="0"/>
+              <a:t> Tau pro velké vzorky</a:t>
+            </a:r>
+          </a:p>
+          <a:p>
+            <a:pPr marL="0" indent="0">
+              <a:spcAft>
+                <a:spcPts val="600"/>
+              </a:spcAft>
+              <a:buNone/>
+            </a:pPr>
+            <a:endParaRPr lang="cs-CZ" dirty="0"/>
+          </a:p>
+          <a:p>
+            <a:pPr marL="0" indent="0">
+              <a:spcAft>
+                <a:spcPts val="600"/>
+              </a:spcAft>
+              <a:buNone/>
+            </a:pPr>
+            <a:r>
+              <a:rPr lang="en-US" b="0" i="0" dirty="0">
+                <a:solidFill>
+                  <a:srgbClr val="333333"/>
+                </a:solidFill>
+                <a:effectLst/>
+                <a:latin typeface="Open Sans" pitchFamily="2" charset="0"/>
+              </a:rPr>
+              <a:t>Chatterjee, S. (2020). A New Coefficient of Correlation. </a:t>
+            </a:r>
+            <a:r>
+              <a:rPr lang="en-US" b="0" i="1" dirty="0">
+                <a:solidFill>
+                  <a:srgbClr val="333333"/>
+                </a:solidFill>
+                <a:effectLst/>
+                <a:latin typeface="Open Sans" pitchFamily="2" charset="0"/>
+              </a:rPr>
+              <a:t>Journal of the American Statistical Association</a:t>
+            </a:r>
+            <a:r>
+              <a:rPr lang="en-US" b="0" i="0" dirty="0">
+                <a:solidFill>
+                  <a:srgbClr val="333333"/>
+                </a:solidFill>
+                <a:effectLst/>
+                <a:latin typeface="Open Sans" pitchFamily="2" charset="0"/>
+              </a:rPr>
+              <a:t>, </a:t>
+            </a:r>
+            <a:r>
+              <a:rPr lang="en-US" b="0" i="1" dirty="0">
+                <a:solidFill>
+                  <a:srgbClr val="333333"/>
+                </a:solidFill>
+                <a:effectLst/>
+                <a:latin typeface="Open Sans" pitchFamily="2" charset="0"/>
+              </a:rPr>
+              <a:t>116</a:t>
+            </a:r>
+            <a:r>
+              <a:rPr lang="en-US" b="0" i="0" dirty="0">
+                <a:solidFill>
+                  <a:srgbClr val="333333"/>
+                </a:solidFill>
+                <a:effectLst/>
+                <a:latin typeface="Open Sans" pitchFamily="2" charset="0"/>
+              </a:rPr>
+              <a:t>(536), 2009–2022. https://doi.org/10.1080/01621459.2020.1758115</a:t>
+            </a:r>
+            <a:endParaRPr lang="cs-CZ" dirty="0"/>
+          </a:p>
+          <a:p>
+            <a:pPr marL="0" indent="0">
+              <a:spcAft>
+                <a:spcPts val="600"/>
+              </a:spcAft>
+              <a:buNone/>
+            </a:pPr>
+            <a:endParaRPr lang="cs-CZ" dirty="0"/>
+          </a:p>
+        </p:txBody>
+      </p:sp>
+    </p:spTree>
+    <p:extLst>
+      <p:ext uri="{BB962C8B-B14F-4D97-AF65-F5344CB8AC3E}">
+        <p14:creationId xmlns:p14="http://schemas.microsoft.com/office/powerpoint/2010/main" val="2002876336"/>
+      </p:ext>
+    </p:extLst>
+  </p:cSld>
+  <p:clrMapOvr>
+    <a:masterClrMapping/>
+  </p:clrMapOvr>
+</p:sld>
+</file>
+
+<file path=ppt/slides/slide22.xml><?xml version="1.0" encoding="utf-8"?>
+<p:sld xmlns:a="http://schemas.openxmlformats.org/drawingml/2006/main" xmlns:r="http://schemas.openxmlformats.org/officeDocument/2006/relationships" xmlns:p="http://schemas.openxmlformats.org/presentationml/2006/main">
+  <p:cSld>
+    <p:spTree>
+      <p:nvGrpSpPr>
+        <p:cNvPr id="1" name="">
+          <a:extLst>
+            <a:ext uri="{FF2B5EF4-FFF2-40B4-BE49-F238E27FC236}">
+              <a16:creationId xmlns:a16="http://schemas.microsoft.com/office/drawing/2014/main" id="{0DE1C9C5-F57B-7522-30F2-E753B5ABE85F}"/>
+            </a:ext>
+          </a:extLst>
+        </p:cNvPr>
+        <p:cNvGrpSpPr/>
+        <p:nvPr/>
+      </p:nvGrpSpPr>
+      <p:grpSpPr>
+        <a:xfrm>
+          <a:off x="0" y="0"/>
+          <a:ext cx="0" cy="0"/>
+          <a:chOff x="0" y="0"/>
+          <a:chExt cx="0" cy="0"/>
+        </a:xfrm>
+      </p:grpSpPr>
+      <p:sp>
+        <p:nvSpPr>
+          <p:cNvPr id="146434" name="Rectangle 2">
+            <a:extLst>
+              <a:ext uri="{FF2B5EF4-FFF2-40B4-BE49-F238E27FC236}">
+                <a16:creationId xmlns:a16="http://schemas.microsoft.com/office/drawing/2014/main" id="{33027184-6FFD-59BE-406F-2C888D509F0E}"/>
+              </a:ext>
+            </a:extLst>
+          </p:cNvPr>
+          <p:cNvSpPr>
+            <a:spLocks/>
+          </p:cNvSpPr>
+          <p:nvPr/>
+        </p:nvSpPr>
+        <p:spPr bwMode="auto">
+          <a:xfrm>
+            <a:off x="3319308" y="2620963"/>
+            <a:ext cx="4797788" cy="833150"/>
+          </a:xfrm>
+          <a:prstGeom prst="rect">
+            <a:avLst/>
+          </a:prstGeom>
+          <a:noFill/>
+          <a:ln>
+            <a:noFill/>
+          </a:ln>
+        </p:spPr>
+        <p:txBody>
+          <a:bodyPr wrap="none" lIns="0" tIns="108000" rIns="0" bIns="108000">
+            <a:spAutoFit/>
+          </a:bodyPr>
+          <a:lstStyle>
+            <a:lvl1pPr marL="228600" indent="-228600">
+              <a:lnSpc>
+                <a:spcPct val="120000"/>
+              </a:lnSpc>
+              <a:spcBef>
+                <a:spcPts val="1000"/>
+              </a:spcBef>
+              <a:buFont typeface="Arial" panose="020B0604020202020204" pitchFamily="34" charset="0"/>
+              <a:buChar char="•"/>
+              <a:defRPr sz="2600">
+                <a:solidFill>
+                  <a:srgbClr val="005CAC"/>
+                </a:solidFill>
+                <a:latin typeface="Century Gothic" panose="020B0502020202020204" pitchFamily="34" charset="0"/>
+              </a:defRPr>
+            </a:lvl1pPr>
+            <a:lvl2pPr marL="685800" indent="-228600">
+              <a:lnSpc>
+                <a:spcPct val="110000"/>
+              </a:lnSpc>
+              <a:spcBef>
+                <a:spcPts val="500"/>
+              </a:spcBef>
+              <a:buFont typeface="Arial" panose="020B0604020202020204" pitchFamily="34" charset="0"/>
+              <a:buChar char="•"/>
+              <a:defRPr sz="2100">
+                <a:solidFill>
+                  <a:srgbClr val="4D4D4D"/>
+                </a:solidFill>
+                <a:latin typeface="Century Gothic" panose="020B0502020202020204" pitchFamily="34" charset="0"/>
+              </a:defRPr>
+            </a:lvl2pPr>
+            <a:lvl3pPr marL="1143000" indent="-228600">
+              <a:lnSpc>
+                <a:spcPct val="90000"/>
+              </a:lnSpc>
+              <a:spcBef>
+                <a:spcPts val="500"/>
+              </a:spcBef>
+              <a:buFont typeface="Arial" panose="020B0604020202020204" pitchFamily="34" charset="0"/>
+              <a:buChar char="•"/>
+              <a:defRPr sz="1600">
+                <a:solidFill>
+                  <a:srgbClr val="4D4D4D"/>
+                </a:solidFill>
+                <a:latin typeface="Century Gothic" panose="020B0502020202020204" pitchFamily="34" charset="0"/>
+              </a:defRPr>
+            </a:lvl3pPr>
+            <a:lvl4pPr marL="1600200" indent="-228600">
+              <a:lnSpc>
+                <a:spcPct val="90000"/>
+              </a:lnSpc>
+              <a:spcBef>
+                <a:spcPts val="500"/>
+              </a:spcBef>
+              <a:buFont typeface="Arial" panose="020B0604020202020204" pitchFamily="34" charset="0"/>
+              <a:buChar char="•"/>
+              <a:defRPr>
+                <a:solidFill>
+                  <a:srgbClr val="292929"/>
+                </a:solidFill>
+                <a:latin typeface="Century Gothic" panose="020B0502020202020204" pitchFamily="34" charset="0"/>
+              </a:defRPr>
+            </a:lvl4pPr>
+            <a:lvl5pPr marL="2057400" indent="-228600">
+              <a:lnSpc>
+                <a:spcPct val="90000"/>
+              </a:lnSpc>
+              <a:spcBef>
+                <a:spcPts val="500"/>
+              </a:spcBef>
+              <a:buFont typeface="Arial" panose="020B0604020202020204" pitchFamily="34" charset="0"/>
+              <a:buChar char="•"/>
+              <a:defRPr>
+                <a:solidFill>
+                  <a:srgbClr val="292929"/>
+                </a:solidFill>
+                <a:latin typeface="Century Gothic" panose="020B0502020202020204" pitchFamily="34" charset="0"/>
+              </a:defRPr>
+            </a:lvl5pPr>
+            <a:lvl6pPr marL="2514600" indent="-228600" fontAlgn="base">
+              <a:lnSpc>
+                <a:spcPct val="90000"/>
+              </a:lnSpc>
+              <a:spcBef>
+                <a:spcPts val="500"/>
+              </a:spcBef>
+              <a:spcAft>
+                <a:spcPct val="0"/>
+              </a:spcAft>
+              <a:buFont typeface="Arial" panose="020B0604020202020204" pitchFamily="34" charset="0"/>
+              <a:buChar char="•"/>
+              <a:defRPr>
+                <a:solidFill>
+                  <a:srgbClr val="292929"/>
+                </a:solidFill>
+                <a:latin typeface="Century Gothic" panose="020B0502020202020204" pitchFamily="34" charset="0"/>
+              </a:defRPr>
+            </a:lvl6pPr>
+            <a:lvl7pPr marL="2971800" indent="-228600" fontAlgn="base">
+              <a:lnSpc>
+                <a:spcPct val="90000"/>
+              </a:lnSpc>
+              <a:spcBef>
+                <a:spcPts val="500"/>
+              </a:spcBef>
+              <a:spcAft>
+                <a:spcPct val="0"/>
+              </a:spcAft>
+              <a:buFont typeface="Arial" panose="020B0604020202020204" pitchFamily="34" charset="0"/>
+              <a:buChar char="•"/>
+              <a:defRPr>
+                <a:solidFill>
+                  <a:srgbClr val="292929"/>
+                </a:solidFill>
+                <a:latin typeface="Century Gothic" panose="020B0502020202020204" pitchFamily="34" charset="0"/>
+              </a:defRPr>
+            </a:lvl7pPr>
+            <a:lvl8pPr marL="3429000" indent="-228600" fontAlgn="base">
+              <a:lnSpc>
+                <a:spcPct val="90000"/>
+              </a:lnSpc>
+              <a:spcBef>
+                <a:spcPts val="500"/>
+              </a:spcBef>
+              <a:spcAft>
+                <a:spcPct val="0"/>
+              </a:spcAft>
+              <a:buFont typeface="Arial" panose="020B0604020202020204" pitchFamily="34" charset="0"/>
+              <a:buChar char="•"/>
+              <a:defRPr>
+                <a:solidFill>
+                  <a:srgbClr val="292929"/>
+                </a:solidFill>
+                <a:latin typeface="Century Gothic" panose="020B0502020202020204" pitchFamily="34" charset="0"/>
+              </a:defRPr>
+            </a:lvl8pPr>
+            <a:lvl9pPr marL="3886200" indent="-228600" fontAlgn="base">
+              <a:lnSpc>
+                <a:spcPct val="90000"/>
+              </a:lnSpc>
+              <a:spcBef>
+                <a:spcPts val="500"/>
+              </a:spcBef>
+              <a:spcAft>
+                <a:spcPct val="0"/>
+              </a:spcAft>
+              <a:buFont typeface="Arial" panose="020B0604020202020204" pitchFamily="34" charset="0"/>
+              <a:buChar char="•"/>
+              <a:defRPr>
+                <a:solidFill>
+                  <a:srgbClr val="292929"/>
+                </a:solidFill>
+                <a:latin typeface="Century Gothic" panose="020B0502020202020204" pitchFamily="34" charset="0"/>
+              </a:defRPr>
+            </a:lvl9pPr>
+          </a:lstStyle>
+          <a:p>
+            <a:pPr algn="ctr" defTabSz="914400" eaLnBrk="1" hangingPunct="1">
+              <a:lnSpc>
+                <a:spcPct val="90000"/>
+              </a:lnSpc>
+              <a:buFont typeface="Arial" panose="020B0604020202020204" pitchFamily="34" charset="0"/>
+              <a:buNone/>
+              <a:defRPr/>
+            </a:pPr>
+            <a:r>
+              <a:rPr lang="cs-CZ" altLang="cs-CZ" sz="4400" b="0" dirty="0">
+                <a:solidFill>
+                  <a:srgbClr val="0074B0"/>
+                </a:solidFill>
+                <a:latin typeface="Poppins"/>
+                <a:ea typeface="+mj-ea"/>
+                <a:cs typeface="Poppins"/>
+              </a:rPr>
+              <a:t>Regresní analýza</a:t>
+            </a:r>
+          </a:p>
+        </p:txBody>
+      </p:sp>
+    </p:spTree>
+    <p:extLst>
+      <p:ext uri="{BB962C8B-B14F-4D97-AF65-F5344CB8AC3E}">
+        <p14:creationId xmlns:p14="http://schemas.microsoft.com/office/powerpoint/2010/main" val="2904997633"/>
+      </p:ext>
+    </p:extLst>
+  </p:cSld>
+  <p:clrMapOvr>
+    <a:masterClrMapping/>
+  </p:clrMapOvr>
+</p:sld>
+</file>
+
+<file path=ppt/slides/slide23.xml><?xml version="1.0" encoding="utf-8"?>
+<p:sld xmlns:a="http://schemas.openxmlformats.org/drawingml/2006/main" xmlns:r="http://schemas.openxmlformats.org/officeDocument/2006/relationships" xmlns:p="http://schemas.openxmlformats.org/presentationml/2006/main">
+  <p:cSld>
+    <p:spTree>
+      <p:nvGrpSpPr>
+        <p:cNvPr id="1" name="">
+          <a:extLst>
+            <a:ext uri="{FF2B5EF4-FFF2-40B4-BE49-F238E27FC236}">
+              <a16:creationId xmlns:a16="http://schemas.microsoft.com/office/drawing/2014/main" id="{86D05361-A324-3DEA-67AF-F1A9AACC0A5F}"/>
+            </a:ext>
+          </a:extLst>
+        </p:cNvPr>
+        <p:cNvGrpSpPr/>
+        <p:nvPr/>
+      </p:nvGrpSpPr>
+      <p:grpSpPr>
+        <a:xfrm>
+          <a:off x="0" y="0"/>
+          <a:ext cx="0" cy="0"/>
+          <a:chOff x="0" y="0"/>
+          <a:chExt cx="0" cy="0"/>
+        </a:xfrm>
+      </p:grpSpPr>
+      <p:sp>
+        <p:nvSpPr>
+          <p:cNvPr id="2" name="Title 1">
+            <a:extLst>
+              <a:ext uri="{FF2B5EF4-FFF2-40B4-BE49-F238E27FC236}">
+                <a16:creationId xmlns:a16="http://schemas.microsoft.com/office/drawing/2014/main" id="{B3265B70-EC56-4101-9EFA-1BAA80BCAA52}"/>
+              </a:ext>
+            </a:extLst>
+          </p:cNvPr>
+          <p:cNvSpPr>
+            <a:spLocks noGrp="1"/>
+          </p:cNvSpPr>
+          <p:nvPr>
+            <p:ph type="title"/>
+          </p:nvPr>
+        </p:nvSpPr>
+        <p:spPr/>
+        <p:txBody>
+          <a:bodyPr/>
+          <a:lstStyle/>
+          <a:p>
+            <a:r>
+              <a:rPr lang="cs-CZ" dirty="0"/>
+              <a:t>Lineární regrese</a:t>
+            </a:r>
+            <a:endParaRPr lang="en-US" dirty="0"/>
+          </a:p>
+        </p:txBody>
+      </p:sp>
+      <p:sp>
+        <p:nvSpPr>
+          <p:cNvPr id="3" name="Content Placeholder 2">
+            <a:extLst>
+              <a:ext uri="{FF2B5EF4-FFF2-40B4-BE49-F238E27FC236}">
+                <a16:creationId xmlns:a16="http://schemas.microsoft.com/office/drawing/2014/main" id="{F984AA58-E824-643A-BF38-6976D5558B41}"/>
+              </a:ext>
+            </a:extLst>
+          </p:cNvPr>
+          <p:cNvSpPr>
+            <a:spLocks noGrp="1"/>
+          </p:cNvSpPr>
+          <p:nvPr>
+            <p:ph idx="1"/>
+          </p:nvPr>
+        </p:nvSpPr>
+        <p:spPr/>
+        <p:txBody>
+          <a:bodyPr/>
+          <a:lstStyle/>
+          <a:p>
+            <a:pPr marL="0" indent="0">
+              <a:spcAft>
+                <a:spcPts val="600"/>
+              </a:spcAft>
+              <a:buNone/>
+            </a:pPr>
+            <a:r>
+              <a:rPr lang="cs-CZ" dirty="0"/>
+              <a:t>Zkoumá vliv jednoho x na jedno y</a:t>
+            </a:r>
+          </a:p>
+          <a:p>
+            <a:pPr marL="0" indent="0">
+              <a:spcAft>
+                <a:spcPts val="600"/>
+              </a:spcAft>
+              <a:buNone/>
+            </a:pPr>
+            <a:r>
+              <a:rPr lang="cs-CZ" dirty="0"/>
+              <a:t>Zkoumá vliv více x na jedno y</a:t>
+            </a:r>
+          </a:p>
+          <a:p>
+            <a:pPr marL="0" indent="0">
+              <a:spcAft>
+                <a:spcPts val="600"/>
+              </a:spcAft>
+              <a:buNone/>
+            </a:pPr>
+            <a:endParaRPr lang="cs-CZ" dirty="0"/>
+          </a:p>
+          <a:p>
+            <a:pPr marL="0" indent="0">
+              <a:spcAft>
+                <a:spcPts val="600"/>
+              </a:spcAft>
+              <a:buNone/>
+            </a:pPr>
+            <a:r>
+              <a:rPr lang="cs-CZ" dirty="0"/>
+              <a:t>Různé cíle:</a:t>
+            </a:r>
+          </a:p>
+          <a:p>
+            <a:pPr>
+              <a:spcAft>
+                <a:spcPts val="600"/>
+              </a:spcAft>
+              <a:buFont typeface="Wingdings" panose="05000000000000000000" pitchFamily="2" charset="2"/>
+              <a:buChar char="Ø"/>
+            </a:pPr>
+            <a:r>
+              <a:rPr lang="cs-CZ" dirty="0"/>
+              <a:t>Popis dat</a:t>
+            </a:r>
+          </a:p>
+          <a:p>
+            <a:pPr>
+              <a:spcAft>
+                <a:spcPts val="600"/>
+              </a:spcAft>
+              <a:buFont typeface="Wingdings" panose="05000000000000000000" pitchFamily="2" charset="2"/>
+              <a:buChar char="Ø"/>
+            </a:pPr>
+            <a:r>
+              <a:rPr lang="cs-CZ" dirty="0"/>
+              <a:t> Statistická inference (</a:t>
+            </a:r>
+            <a:r>
+              <a:rPr lang="cs-CZ" dirty="0" err="1"/>
+              <a:t>Gaus</a:t>
+            </a:r>
+            <a:r>
+              <a:rPr lang="cs-CZ" dirty="0"/>
+              <a:t>-Markovi předpoklady)</a:t>
+            </a:r>
+          </a:p>
+          <a:p>
+            <a:pPr>
+              <a:spcAft>
+                <a:spcPts val="600"/>
+              </a:spcAft>
+              <a:buFont typeface="Wingdings" panose="05000000000000000000" pitchFamily="2" charset="2"/>
+              <a:buChar char="Ø"/>
+            </a:pPr>
+            <a:r>
+              <a:rPr lang="cs-CZ" dirty="0"/>
+              <a:t> Predikční schopnost (</a:t>
+            </a:r>
+            <a:r>
+              <a:rPr lang="cs-CZ" dirty="0" err="1"/>
+              <a:t>regularizace</a:t>
+            </a:r>
+            <a:r>
+              <a:rPr lang="cs-CZ" dirty="0"/>
+              <a:t>)</a:t>
+            </a:r>
+          </a:p>
+        </p:txBody>
+      </p:sp>
+    </p:spTree>
+    <p:extLst>
+      <p:ext uri="{BB962C8B-B14F-4D97-AF65-F5344CB8AC3E}">
+        <p14:creationId xmlns:p14="http://schemas.microsoft.com/office/powerpoint/2010/main" val="2586311486"/>
+      </p:ext>
+    </p:extLst>
   </p:cSld>
   <p:clrMapOvr>
     <a:masterClrMapping/>
@@ -7816,8 +8986,8 @@
           </a:p>
         </p:txBody>
       </p:sp>
-      <mc:AlternateContent xmlns:mc="http://schemas.openxmlformats.org/markup-compatibility/2006">
-        <mc:Choice xmlns:p14="http://schemas.microsoft.com/office/powerpoint/2010/main" Requires="p14">
+      <mc:AlternateContent xmlns:mc="http://schemas.openxmlformats.org/markup-compatibility/2006" xmlns:p14="http://schemas.microsoft.com/office/powerpoint/2010/main">
+        <mc:Choice Requires="p14">
           <p:contentPart p14:bwMode="auto" r:id="rId4">
             <p14:nvContentPartPr>
               <p14:cNvPr id="5" name="Ink 4">
@@ -7836,7 +9006,7 @@
             </p14:xfrm>
           </p:contentPart>
         </mc:Choice>
-        <mc:Fallback>
+        <mc:Fallback xmlns="">
           <p:pic>
             <p:nvPicPr>
               <p:cNvPr id="5" name="Ink 4">
@@ -12343,6 +13513,15 @@
 </file>
 
 <file path=customXml/item1.xml><?xml version="1.0" encoding="utf-8"?>
+<?mso-contentType ?>
+<FormTemplates xmlns="http://schemas.microsoft.com/sharepoint/v3/contenttype/forms">
+  <Display>DocumentLibraryForm</Display>
+  <Edit>DocumentLibraryForm</Edit>
+  <New>DocumentLibraryForm</New>
+</FormTemplates>
+</file>
+
+<file path=customXml/item2.xml><?xml version="1.0" encoding="utf-8"?>
 <ct:contentTypeSchema xmlns:ct="http://schemas.microsoft.com/office/2006/metadata/contentType" xmlns:ma="http://schemas.microsoft.com/office/2006/metadata/properties/metaAttributes" ct:_="" ma:_="" ma:contentTypeName="Dokument" ma:contentTypeID="0x010100483762EB5A18C04DBFA29C99AD83F26B" ma:contentTypeVersion="15" ma:contentTypeDescription="Vytvoří nový dokument" ma:contentTypeScope="" ma:versionID="d9ef6691753f8d1d5aac364a0a95b869">
   <xsd:schema xmlns:xsd="http://www.w3.org/2001/XMLSchema" xmlns:xs="http://www.w3.org/2001/XMLSchema" xmlns:p="http://schemas.microsoft.com/office/2006/metadata/properties" xmlns:ns2="b5e40aea-b4ae-4b94-9008-c1fed4a5c359" xmlns:ns3="c95f7331-2dea-4b91-a62c-a2ea58dcbe03" targetNamespace="http://schemas.microsoft.com/office/2006/metadata/properties" ma:root="true" ma:fieldsID="8ffb3d0fa66fdebc604d2e8eddcb4819" ns2:_="" ns3:_="">
     <xsd:import namespace="b5e40aea-b4ae-4b94-9008-c1fed4a5c359"/>
@@ -12577,15 +13756,6 @@
 </ct:contentTypeSchema>
 </file>
 
-<file path=customXml/item2.xml><?xml version="1.0" encoding="utf-8"?>
-<?mso-contentType ?>
-<FormTemplates xmlns="http://schemas.microsoft.com/sharepoint/v3/contenttype/forms">
-  <Display>DocumentLibraryForm</Display>
-  <Edit>DocumentLibraryForm</Edit>
-  <New>DocumentLibraryForm</New>
-</FormTemplates>
-</file>
-
 <file path=customXml/item3.xml><?xml version="1.0" encoding="utf-8"?>
 <p:properties xmlns:p="http://schemas.microsoft.com/office/2006/metadata/properties" xmlns:xsi="http://www.w3.org/2001/XMLSchema-instance" xmlns:pc="http://schemas.microsoft.com/office/infopath/2007/PartnerControls">
   <documentManagement>
@@ -12598,6 +13768,14 @@
 </file>
 
 <file path=customXml/itemProps1.xml><?xml version="1.0" encoding="utf-8"?>
+<ds:datastoreItem xmlns:ds="http://schemas.openxmlformats.org/officeDocument/2006/customXml" ds:itemID="{35AAFBE4-E0F2-46C8-9B9D-C83397D2F04E}">
+  <ds:schemaRefs>
+    <ds:schemaRef ds:uri="http://schemas.microsoft.com/sharepoint/v3/contenttype/forms"/>
+  </ds:schemaRefs>
+</ds:datastoreItem>
+</file>
+
+<file path=customXml/itemProps2.xml><?xml version="1.0" encoding="utf-8"?>
 <ds:datastoreItem xmlns:ds="http://schemas.openxmlformats.org/officeDocument/2006/customXml" ds:itemID="{9FF36B38-92E1-4434-B928-0B6896AEBC4E}">
   <ds:schemaRefs>
     <ds:schemaRef ds:uri="http://schemas.microsoft.com/office/2006/metadata/contentType"/>
@@ -12616,14 +13794,6 @@
 </ds:datastoreItem>
 </file>
 
-<file path=customXml/itemProps2.xml><?xml version="1.0" encoding="utf-8"?>
-<ds:datastoreItem xmlns:ds="http://schemas.openxmlformats.org/officeDocument/2006/customXml" ds:itemID="{35AAFBE4-E0F2-46C8-9B9D-C83397D2F04E}">
-  <ds:schemaRefs>
-    <ds:schemaRef ds:uri="http://schemas.microsoft.com/sharepoint/v3/contenttype/forms"/>
-  </ds:schemaRefs>
-</ds:datastoreItem>
-</file>
-
 <file path=customXml/itemProps3.xml><?xml version="1.0" encoding="utf-8"?>
 <ds:datastoreItem xmlns:ds="http://schemas.openxmlformats.org/officeDocument/2006/customXml" ds:itemID="{E33785A2-D7CE-4CE1-98CE-0E3D5DDB8231}">
   <ds:schemaRefs>

--- a/Prezentace/3_Testovani_hypotez.pptx
+++ b/Prezentace/3_Testovani_hypotez.pptx
@@ -330,7 +330,7 @@
               <a:pPr>
                 <a:defRPr/>
               </a:pPr>
-              <a:t>26.11.2024</a:t>
+              <a:t>03.12.2024</a:t>
             </a:fld>
             <a:endParaRPr lang="cs-CZ"/>
           </a:p>
@@ -3526,7 +3526,7 @@
               <a:pPr>
                 <a:defRPr/>
               </a:pPr>
-              <a:t>26.11.2024</a:t>
+              <a:t>03.12.2024</a:t>
             </a:fld>
             <a:endParaRPr lang="cs-CZ"/>
           </a:p>
@@ -7503,19 +7503,7 @@
               <a:rPr lang="cs-CZ" dirty="0">
                 <a:hlinkClick r:id="rId3"/>
               </a:rPr>
-              <a:t>https://www.research.autodesk.com/publications/same-stats-</a:t>
-            </a:r>
-            <a:r>
-              <a:rPr lang="cs-CZ" dirty="0">
-                <a:hlinkClick r:id="rId3"/>
-              </a:rPr>
-              <a:t>d</a:t>
-            </a:r>
-            <a:r>
-              <a:rPr lang="cs-CZ" dirty="0">
-                <a:hlinkClick r:id="rId3"/>
-              </a:rPr>
-              <a:t>ifferent-graphs</a:t>
+              <a:t>https://www.research.autodesk.com/publications/same-stats-different-graphs</a:t>
             </a:r>
             <a:endParaRPr lang="cs-CZ" dirty="0"/>
           </a:p>
@@ -8244,15 +8232,6 @@
               </a:rPr>
               <a:t>(536), 2009–2022. https://doi.org/10.1080/01621459.2020.1758115</a:t>
             </a:r>
-            <a:endParaRPr lang="cs-CZ" dirty="0"/>
-          </a:p>
-          <a:p>
-            <a:pPr marL="0" indent="0">
-              <a:spcAft>
-                <a:spcPts val="600"/>
-              </a:spcAft>
-              <a:buNone/>
-            </a:pPr>
             <a:endParaRPr lang="cs-CZ" dirty="0"/>
           </a:p>
         </p:txBody>
@@ -13522,6 +13501,17 @@
 </file>
 
 <file path=customXml/item2.xml><?xml version="1.0" encoding="utf-8"?>
+<p:properties xmlns:p="http://schemas.microsoft.com/office/2006/metadata/properties" xmlns:xsi="http://www.w3.org/2001/XMLSchema-instance" xmlns:pc="http://schemas.microsoft.com/office/infopath/2007/PartnerControls">
+  <documentManagement>
+    <lcf76f155ced4ddcb4097134ff3c332f xmlns="b5e40aea-b4ae-4b94-9008-c1fed4a5c359">
+      <Terms xmlns="http://schemas.microsoft.com/office/infopath/2007/PartnerControls"/>
+    </lcf76f155ced4ddcb4097134ff3c332f>
+    <TaxCatchAll xmlns="c95f7331-2dea-4b91-a62c-a2ea58dcbe03" xsi:nil="true"/>
+  </documentManagement>
+</p:properties>
+</file>
+
+<file path=customXml/item3.xml><?xml version="1.0" encoding="utf-8"?>
 <ct:contentTypeSchema xmlns:ct="http://schemas.microsoft.com/office/2006/metadata/contentType" xmlns:ma="http://schemas.microsoft.com/office/2006/metadata/properties/metaAttributes" ct:_="" ma:_="" ma:contentTypeName="Dokument" ma:contentTypeID="0x010100483762EB5A18C04DBFA29C99AD83F26B" ma:contentTypeVersion="15" ma:contentTypeDescription="Vytvoří nový dokument" ma:contentTypeScope="" ma:versionID="d9ef6691753f8d1d5aac364a0a95b869">
   <xsd:schema xmlns:xsd="http://www.w3.org/2001/XMLSchema" xmlns:xs="http://www.w3.org/2001/XMLSchema" xmlns:p="http://schemas.microsoft.com/office/2006/metadata/properties" xmlns:ns2="b5e40aea-b4ae-4b94-9008-c1fed4a5c359" xmlns:ns3="c95f7331-2dea-4b91-a62c-a2ea58dcbe03" targetNamespace="http://schemas.microsoft.com/office/2006/metadata/properties" ma:root="true" ma:fieldsID="8ffb3d0fa66fdebc604d2e8eddcb4819" ns2:_="" ns3:_="">
     <xsd:import namespace="b5e40aea-b4ae-4b94-9008-c1fed4a5c359"/>
@@ -13756,17 +13746,6 @@
 </ct:contentTypeSchema>
 </file>
 
-<file path=customXml/item3.xml><?xml version="1.0" encoding="utf-8"?>
-<p:properties xmlns:p="http://schemas.microsoft.com/office/2006/metadata/properties" xmlns:xsi="http://www.w3.org/2001/XMLSchema-instance" xmlns:pc="http://schemas.microsoft.com/office/infopath/2007/PartnerControls">
-  <documentManagement>
-    <lcf76f155ced4ddcb4097134ff3c332f xmlns="b5e40aea-b4ae-4b94-9008-c1fed4a5c359">
-      <Terms xmlns="http://schemas.microsoft.com/office/infopath/2007/PartnerControls"/>
-    </lcf76f155ced4ddcb4097134ff3c332f>
-    <TaxCatchAll xmlns="c95f7331-2dea-4b91-a62c-a2ea58dcbe03" xsi:nil="true"/>
-  </documentManagement>
-</p:properties>
-</file>
-
 <file path=customXml/itemProps1.xml><?xml version="1.0" encoding="utf-8"?>
 <ds:datastoreItem xmlns:ds="http://schemas.openxmlformats.org/officeDocument/2006/customXml" ds:itemID="{35AAFBE4-E0F2-46C8-9B9D-C83397D2F04E}">
   <ds:schemaRefs>
@@ -13776,6 +13755,17 @@
 </file>
 
 <file path=customXml/itemProps2.xml><?xml version="1.0" encoding="utf-8"?>
+<ds:datastoreItem xmlns:ds="http://schemas.openxmlformats.org/officeDocument/2006/customXml" ds:itemID="{E33785A2-D7CE-4CE1-98CE-0E3D5DDB8231}">
+  <ds:schemaRefs>
+    <ds:schemaRef ds:uri="http://schemas.microsoft.com/office/2006/metadata/properties"/>
+    <ds:schemaRef ds:uri="http://schemas.microsoft.com/office/infopath/2007/PartnerControls"/>
+    <ds:schemaRef ds:uri="b5e40aea-b4ae-4b94-9008-c1fed4a5c359"/>
+    <ds:schemaRef ds:uri="c95f7331-2dea-4b91-a62c-a2ea58dcbe03"/>
+  </ds:schemaRefs>
+</ds:datastoreItem>
+</file>
+
+<file path=customXml/itemProps3.xml><?xml version="1.0" encoding="utf-8"?>
 <ds:datastoreItem xmlns:ds="http://schemas.openxmlformats.org/officeDocument/2006/customXml" ds:itemID="{9FF36B38-92E1-4434-B928-0B6896AEBC4E}">
   <ds:schemaRefs>
     <ds:schemaRef ds:uri="http://schemas.microsoft.com/office/2006/metadata/contentType"/>
@@ -13792,15 +13782,4 @@
     <ds:schemaRef ds:uri="http://schemas.microsoft.com/internal/obd"/>
   </ds:schemaRefs>
 </ds:datastoreItem>
-</file>
-
-<file path=customXml/itemProps3.xml><?xml version="1.0" encoding="utf-8"?>
-<ds:datastoreItem xmlns:ds="http://schemas.openxmlformats.org/officeDocument/2006/customXml" ds:itemID="{E33785A2-D7CE-4CE1-98CE-0E3D5DDB8231}">
-  <ds:schemaRefs>
-    <ds:schemaRef ds:uri="http://schemas.microsoft.com/office/2006/metadata/properties"/>
-    <ds:schemaRef ds:uri="http://schemas.microsoft.com/office/infopath/2007/PartnerControls"/>
-    <ds:schemaRef ds:uri="b5e40aea-b4ae-4b94-9008-c1fed4a5c359"/>
-    <ds:schemaRef ds:uri="c95f7331-2dea-4b91-a62c-a2ea58dcbe03"/>
-  </ds:schemaRefs>
-</ds:datastoreItem>
 </file>
--- a/Prezentace/3_Testovani_hypotez.pptx
+++ b/Prezentace/3_Testovani_hypotez.pptx
@@ -5,7 +5,7 @@
     <p:sldMasterId id="2147483660" r:id="rId4"/>
   </p:sldMasterIdLst>
   <p:notesMasterIdLst>
-    <p:notesMasterId r:id="rId28"/>
+    <p:notesMasterId r:id="rId29"/>
   </p:notesMasterIdLst>
   <p:sldIdLst>
     <p:sldId id="404" r:id="rId5"/>
@@ -22,15 +22,16 @@
     <p:sldId id="425" r:id="rId16"/>
     <p:sldId id="422" r:id="rId17"/>
     <p:sldId id="427" r:id="rId18"/>
-    <p:sldId id="430" r:id="rId19"/>
-    <p:sldId id="431" r:id="rId20"/>
-    <p:sldId id="432" r:id="rId21"/>
-    <p:sldId id="434" r:id="rId22"/>
-    <p:sldId id="435" r:id="rId23"/>
-    <p:sldId id="436" r:id="rId24"/>
-    <p:sldId id="437" r:id="rId25"/>
-    <p:sldId id="439" r:id="rId26"/>
-    <p:sldId id="438" r:id="rId27"/>
+    <p:sldId id="431" r:id="rId19"/>
+    <p:sldId id="442" r:id="rId20"/>
+    <p:sldId id="441" r:id="rId21"/>
+    <p:sldId id="432" r:id="rId22"/>
+    <p:sldId id="434" r:id="rId23"/>
+    <p:sldId id="435" r:id="rId24"/>
+    <p:sldId id="436" r:id="rId25"/>
+    <p:sldId id="437" r:id="rId26"/>
+    <p:sldId id="439" r:id="rId27"/>
+    <p:sldId id="438" r:id="rId28"/>
   </p:sldIdLst>
   <p:sldSz cx="11522075" cy="6858000"/>
   <p:notesSz cx="6858000" cy="9144000"/>
@@ -6855,111 +6856,6 @@
   <p:cSld>
     <p:spTree>
       <p:nvGrpSpPr>
-        <p:cNvPr id="1" name=""/>
-        <p:cNvGrpSpPr/>
-        <p:nvPr/>
-      </p:nvGrpSpPr>
-      <p:grpSpPr>
-        <a:xfrm>
-          <a:off x="0" y="0"/>
-          <a:ext cx="0" cy="0"/>
-          <a:chOff x="0" y="0"/>
-          <a:chExt cx="0" cy="0"/>
-        </a:xfrm>
-      </p:grpSpPr>
-      <p:sp>
-        <p:nvSpPr>
-          <p:cNvPr id="2" name="Title 1">
-            <a:extLst>
-              <a:ext uri="{FF2B5EF4-FFF2-40B4-BE49-F238E27FC236}">
-                <a16:creationId xmlns:a16="http://schemas.microsoft.com/office/drawing/2014/main" id="{0AD48EE9-63D1-0BA4-41E5-1FF178ECF8E1}"/>
-              </a:ext>
-            </a:extLst>
-          </p:cNvPr>
-          <p:cNvSpPr>
-            <a:spLocks noGrp="1"/>
-          </p:cNvSpPr>
-          <p:nvPr>
-            <p:ph type="title"/>
-          </p:nvPr>
-        </p:nvSpPr>
-        <p:spPr/>
-        <p:txBody>
-          <a:bodyPr/>
-          <a:lstStyle/>
-          <a:p>
-            <a:r>
-              <a:rPr lang="cs-CZ" dirty="0"/>
-              <a:t>Sdílené předpoklady pro t-testy</a:t>
-            </a:r>
-            <a:endParaRPr lang="en-US" dirty="0"/>
-          </a:p>
-        </p:txBody>
-      </p:sp>
-      <p:sp>
-        <p:nvSpPr>
-          <p:cNvPr id="3" name="Content Placeholder 2">
-            <a:extLst>
-              <a:ext uri="{FF2B5EF4-FFF2-40B4-BE49-F238E27FC236}">
-                <a16:creationId xmlns:a16="http://schemas.microsoft.com/office/drawing/2014/main" id="{3F4127C8-B528-22F6-D93C-FF8B873A3D6A}"/>
-              </a:ext>
-            </a:extLst>
-          </p:cNvPr>
-          <p:cNvSpPr>
-            <a:spLocks noGrp="1"/>
-          </p:cNvSpPr>
-          <p:nvPr>
-            <p:ph idx="1"/>
-          </p:nvPr>
-        </p:nvSpPr>
-        <p:spPr/>
-        <p:txBody>
-          <a:bodyPr/>
-          <a:lstStyle/>
-          <a:p>
-            <a:r>
-              <a:rPr lang="cs-CZ" dirty="0"/>
-              <a:t>Reprezentativní vzorek</a:t>
-            </a:r>
-          </a:p>
-          <a:p>
-            <a:r>
-              <a:rPr lang="cs-CZ" dirty="0"/>
-              <a:t>Nezávislé pozorování (kromě párového t-testu)</a:t>
-            </a:r>
-          </a:p>
-          <a:p>
-            <a:r>
-              <a:rPr lang="cs-CZ" dirty="0"/>
-              <a:t>Spojitá data</a:t>
-            </a:r>
-          </a:p>
-          <a:p>
-            <a:r>
-              <a:rPr lang="cs-CZ" dirty="0"/>
-              <a:t>Normálně rozdělená data/rozdíly</a:t>
-            </a:r>
-          </a:p>
-        </p:txBody>
-      </p:sp>
-    </p:spTree>
-    <p:extLst>
-      <p:ext uri="{BB962C8B-B14F-4D97-AF65-F5344CB8AC3E}">
-        <p14:creationId xmlns:p14="http://schemas.microsoft.com/office/powerpoint/2010/main" val="1619967858"/>
-      </p:ext>
-    </p:extLst>
-  </p:cSld>
-  <p:clrMapOvr>
-    <a:masterClrMapping/>
-  </p:clrMapOvr>
-</p:sld>
-</file>
-
-<file path=ppt/slides/slide16.xml><?xml version="1.0" encoding="utf-8"?>
-<p:sld xmlns:a="http://schemas.openxmlformats.org/drawingml/2006/main" xmlns:r="http://schemas.openxmlformats.org/officeDocument/2006/relationships" xmlns:p="http://schemas.openxmlformats.org/presentationml/2006/main">
-  <p:cSld>
-    <p:spTree>
-      <p:nvGrpSpPr>
         <p:cNvPr id="1" name="">
           <a:extLst>
             <a:ext uri="{FF2B5EF4-FFF2-40B4-BE49-F238E27FC236}">
@@ -7130,7 +7026,251 @@
 </p:sld>
 </file>
 
+<file path=ppt/slides/slide16.xml><?xml version="1.0" encoding="utf-8"?>
+<p:sld xmlns:a="http://schemas.openxmlformats.org/drawingml/2006/main" xmlns:r="http://schemas.openxmlformats.org/officeDocument/2006/relationships" xmlns:p="http://schemas.openxmlformats.org/presentationml/2006/main">
+  <p:cSld>
+    <p:spTree>
+      <p:nvGrpSpPr>
+        <p:cNvPr id="1" name="">
+          <a:extLst>
+            <a:ext uri="{FF2B5EF4-FFF2-40B4-BE49-F238E27FC236}">
+              <a16:creationId xmlns:a16="http://schemas.microsoft.com/office/drawing/2014/main" id="{25FC99DC-3BAC-3CF6-92E6-5DDA035F1901}"/>
+            </a:ext>
+          </a:extLst>
+        </p:cNvPr>
+        <p:cNvGrpSpPr/>
+        <p:nvPr/>
+      </p:nvGrpSpPr>
+      <p:grpSpPr>
+        <a:xfrm>
+          <a:off x="0" y="0"/>
+          <a:ext cx="0" cy="0"/>
+          <a:chOff x="0" y="0"/>
+          <a:chExt cx="0" cy="0"/>
+        </a:xfrm>
+      </p:grpSpPr>
+      <p:pic>
+        <p:nvPicPr>
+          <p:cNvPr id="1026" name="Picture 2" descr="r/statisticsmemes - Frequency 0.3 0.2- 0.1- 0.5 0.4- Zero skew 0.0 X n&gt;30 Corporate needs you to find the differences between this picture and this picture. CLT made with mematic They're the same picture.">
+            <a:extLst>
+              <a:ext uri="{FF2B5EF4-FFF2-40B4-BE49-F238E27FC236}">
+                <a16:creationId xmlns:a16="http://schemas.microsoft.com/office/drawing/2014/main" id="{2B34C74D-F1CE-7C2B-9202-358DE55C823D}"/>
+              </a:ext>
+            </a:extLst>
+          </p:cNvPr>
+          <p:cNvPicPr>
+            <a:picLocks noChangeAspect="1" noChangeArrowheads="1"/>
+          </p:cNvPicPr>
+          <p:nvPr/>
+        </p:nvPicPr>
+        <p:blipFill>
+          <a:blip r:embed="rId2">
+            <a:extLst>
+              <a:ext uri="{28A0092B-C50C-407E-A947-70E740481C1C}">
+                <a14:useLocalDpi xmlns:a14="http://schemas.microsoft.com/office/drawing/2010/main" val="0"/>
+              </a:ext>
+            </a:extLst>
+          </a:blip>
+          <a:srcRect/>
+          <a:stretch>
+            <a:fillRect/>
+          </a:stretch>
+        </p:blipFill>
+        <p:spPr bwMode="auto">
+          <a:xfrm>
+            <a:off x="3101105" y="119575"/>
+            <a:ext cx="4821668" cy="5401775"/>
+          </a:xfrm>
+          <a:prstGeom prst="rect">
+            <a:avLst/>
+          </a:prstGeom>
+          <a:noFill/>
+          <a:extLst>
+            <a:ext uri="{909E8E84-426E-40DD-AFC4-6F175D3DCCD1}">
+              <a14:hiddenFill xmlns:a14="http://schemas.microsoft.com/office/drawing/2010/main">
+                <a:solidFill>
+                  <a:srgbClr val="FFFFFF"/>
+                </a:solidFill>
+              </a14:hiddenFill>
+            </a:ext>
+          </a:extLst>
+        </p:spPr>
+      </p:pic>
+      <p:sp>
+        <p:nvSpPr>
+          <p:cNvPr id="4" name="TextBox 3">
+            <a:extLst>
+              <a:ext uri="{FF2B5EF4-FFF2-40B4-BE49-F238E27FC236}">
+                <a16:creationId xmlns:a16="http://schemas.microsoft.com/office/drawing/2014/main" id="{5540F7B4-7FC2-4ADA-00E6-C907631049C6}"/>
+              </a:ext>
+            </a:extLst>
+          </p:cNvPr>
+          <p:cNvSpPr txBox="1"/>
+          <p:nvPr/>
+        </p:nvSpPr>
+        <p:spPr>
+          <a:xfrm>
+            <a:off x="472966" y="6085490"/>
+            <a:ext cx="9970113" cy="253916"/>
+          </a:xfrm>
+          <a:prstGeom prst="rect">
+            <a:avLst/>
+          </a:prstGeom>
+          <a:noFill/>
+        </p:spPr>
+        <p:txBody>
+          <a:bodyPr wrap="square" rtlCol="0">
+            <a:spAutoFit/>
+          </a:bodyPr>
+          <a:lstStyle/>
+          <a:p>
+            <a:r>
+              <a:rPr lang="en-US" sz="1050" b="0" dirty="0">
+                <a:solidFill>
+                  <a:srgbClr val="212529"/>
+                </a:solidFill>
+                <a:latin typeface="Open Sans" pitchFamily="2" charset="0"/>
+                <a:hlinkClick r:id="rId3"/>
+              </a:rPr>
+              <a:t>https://www.reddit.com/r/statisticsmemes/comments/1gm20ty/if_n30_we_can_assume_a_normal_distribution_my</a:t>
+            </a:r>
+            <a:endParaRPr lang="en-US" sz="1050" dirty="0"/>
+          </a:p>
+        </p:txBody>
+      </p:sp>
+    </p:spTree>
+    <p:extLst>
+      <p:ext uri="{BB962C8B-B14F-4D97-AF65-F5344CB8AC3E}">
+        <p14:creationId xmlns:p14="http://schemas.microsoft.com/office/powerpoint/2010/main" val="1101626835"/>
+      </p:ext>
+    </p:extLst>
+  </p:cSld>
+  <p:clrMapOvr>
+    <a:masterClrMapping/>
+  </p:clrMapOvr>
+</p:sld>
+</file>
+
 <file path=ppt/slides/slide17.xml><?xml version="1.0" encoding="utf-8"?>
+<p:sld xmlns:a="http://schemas.openxmlformats.org/drawingml/2006/main" xmlns:r="http://schemas.openxmlformats.org/officeDocument/2006/relationships" xmlns:p="http://schemas.openxmlformats.org/presentationml/2006/main">
+  <p:cSld>
+    <p:spTree>
+      <p:nvGrpSpPr>
+        <p:cNvPr id="1" name=""/>
+        <p:cNvGrpSpPr/>
+        <p:nvPr/>
+      </p:nvGrpSpPr>
+      <p:grpSpPr>
+        <a:xfrm>
+          <a:off x="0" y="0"/>
+          <a:ext cx="0" cy="0"/>
+          <a:chOff x="0" y="0"/>
+          <a:chExt cx="0" cy="0"/>
+        </a:xfrm>
+      </p:grpSpPr>
+      <p:sp>
+        <p:nvSpPr>
+          <p:cNvPr id="4" name="TextBox 3">
+            <a:extLst>
+              <a:ext uri="{FF2B5EF4-FFF2-40B4-BE49-F238E27FC236}">
+                <a16:creationId xmlns:a16="http://schemas.microsoft.com/office/drawing/2014/main" id="{1DD52F4A-5888-5BD8-6EBA-315AA091BEFB}"/>
+              </a:ext>
+            </a:extLst>
+          </p:cNvPr>
+          <p:cNvSpPr txBox="1"/>
+          <p:nvPr/>
+        </p:nvSpPr>
+        <p:spPr>
+          <a:xfrm>
+            <a:off x="472966" y="6085490"/>
+            <a:ext cx="9970113" cy="253916"/>
+          </a:xfrm>
+          <a:prstGeom prst="rect">
+            <a:avLst/>
+          </a:prstGeom>
+          <a:noFill/>
+        </p:spPr>
+        <p:txBody>
+          <a:bodyPr wrap="square" rtlCol="0">
+            <a:spAutoFit/>
+          </a:bodyPr>
+          <a:lstStyle/>
+          <a:p>
+            <a:r>
+              <a:rPr lang="en-US" sz="1050" b="0" dirty="0">
+                <a:solidFill>
+                  <a:srgbClr val="212529"/>
+                </a:solidFill>
+                <a:latin typeface="Open Sans" pitchFamily="2" charset="0"/>
+                <a:hlinkClick r:id="rId2"/>
+              </a:rPr>
+              <a:t>https://www.reddit.com/r/statisticsmemes/comments/1gh4v53/ml_slander</a:t>
+            </a:r>
+            <a:endParaRPr lang="en-US" sz="1050" dirty="0"/>
+          </a:p>
+        </p:txBody>
+      </p:sp>
+      <p:pic>
+        <p:nvPicPr>
+          <p:cNvPr id="1028" name="Picture 4" descr="r/statisticsmemes - ML slander">
+            <a:extLst>
+              <a:ext uri="{FF2B5EF4-FFF2-40B4-BE49-F238E27FC236}">
+                <a16:creationId xmlns:a16="http://schemas.microsoft.com/office/drawing/2014/main" id="{06D58372-9C4D-856D-FF00-4D65CCBA8BCE}"/>
+              </a:ext>
+            </a:extLst>
+          </p:cNvPr>
+          <p:cNvPicPr>
+            <a:picLocks noChangeAspect="1" noChangeArrowheads="1"/>
+          </p:cNvPicPr>
+          <p:nvPr/>
+        </p:nvPicPr>
+        <p:blipFill>
+          <a:blip r:embed="rId3">
+            <a:extLst>
+              <a:ext uri="{28A0092B-C50C-407E-A947-70E740481C1C}">
+                <a14:useLocalDpi xmlns:a14="http://schemas.microsoft.com/office/drawing/2010/main" val="0"/>
+              </a:ext>
+            </a:extLst>
+          </a:blip>
+          <a:srcRect/>
+          <a:stretch>
+            <a:fillRect/>
+          </a:stretch>
+        </p:blipFill>
+        <p:spPr bwMode="auto">
+          <a:xfrm>
+            <a:off x="2152015" y="518594"/>
+            <a:ext cx="6228934" cy="4636671"/>
+          </a:xfrm>
+          <a:prstGeom prst="rect">
+            <a:avLst/>
+          </a:prstGeom>
+          <a:noFill/>
+          <a:extLst>
+            <a:ext uri="{909E8E84-426E-40DD-AFC4-6F175D3DCCD1}">
+              <a14:hiddenFill xmlns:a14="http://schemas.microsoft.com/office/drawing/2010/main">
+                <a:solidFill>
+                  <a:srgbClr val="FFFFFF"/>
+                </a:solidFill>
+              </a14:hiddenFill>
+            </a:ext>
+          </a:extLst>
+        </p:spPr>
+      </p:pic>
+    </p:spTree>
+    <p:extLst>
+      <p:ext uri="{BB962C8B-B14F-4D97-AF65-F5344CB8AC3E}">
+        <p14:creationId xmlns:p14="http://schemas.microsoft.com/office/powerpoint/2010/main" val="433647095"/>
+      </p:ext>
+    </p:extLst>
+  </p:cSld>
+  <p:clrMapOvr>
+    <a:masterClrMapping/>
+  </p:clrMapOvr>
+</p:sld>
+</file>
+
+<file path=ppt/slides/slide18.xml><?xml version="1.0" encoding="utf-8"?>
 <p:sld xmlns:a="http://schemas.openxmlformats.org/drawingml/2006/main" xmlns:r="http://schemas.openxmlformats.org/officeDocument/2006/relationships" xmlns:p="http://schemas.openxmlformats.org/presentationml/2006/main">
   <p:cSld>
     <p:spTree>
@@ -7378,7 +7518,7 @@
 </p:sld>
 </file>
 
-<file path=ppt/slides/slide18.xml><?xml version="1.0" encoding="utf-8"?>
+<file path=ppt/slides/slide19.xml><?xml version="1.0" encoding="utf-8"?>
 <p:sld xmlns:a="http://schemas.openxmlformats.org/drawingml/2006/main" xmlns:r="http://schemas.openxmlformats.org/officeDocument/2006/relationships" xmlns:p="http://schemas.openxmlformats.org/presentationml/2006/main">
   <p:cSld>
     <p:spTree>
@@ -7522,161 +7662,6 @@
     <p:extLst>
       <p:ext uri="{BB962C8B-B14F-4D97-AF65-F5344CB8AC3E}">
         <p14:creationId xmlns:p14="http://schemas.microsoft.com/office/powerpoint/2010/main" val="29433173"/>
-      </p:ext>
-    </p:extLst>
-  </p:cSld>
-  <p:clrMapOvr>
-    <a:masterClrMapping/>
-  </p:clrMapOvr>
-</p:sld>
-</file>
-
-<file path=ppt/slides/slide19.xml><?xml version="1.0" encoding="utf-8"?>
-<p:sld xmlns:a="http://schemas.openxmlformats.org/drawingml/2006/main" xmlns:r="http://schemas.openxmlformats.org/officeDocument/2006/relationships" xmlns:p="http://schemas.openxmlformats.org/presentationml/2006/main">
-  <p:cSld>
-    <p:spTree>
-      <p:nvGrpSpPr>
-        <p:cNvPr id="1" name="">
-          <a:extLst>
-            <a:ext uri="{FF2B5EF4-FFF2-40B4-BE49-F238E27FC236}">
-              <a16:creationId xmlns:a16="http://schemas.microsoft.com/office/drawing/2014/main" id="{E9923431-D1ED-7863-B126-5B522E954C2E}"/>
-            </a:ext>
-          </a:extLst>
-        </p:cNvPr>
-        <p:cNvGrpSpPr/>
-        <p:nvPr/>
-      </p:nvGrpSpPr>
-      <p:grpSpPr>
-        <a:xfrm>
-          <a:off x="0" y="0"/>
-          <a:ext cx="0" cy="0"/>
-          <a:chOff x="0" y="0"/>
-          <a:chExt cx="0" cy="0"/>
-        </a:xfrm>
-      </p:grpSpPr>
-      <p:sp>
-        <p:nvSpPr>
-          <p:cNvPr id="2" name="Title 1">
-            <a:extLst>
-              <a:ext uri="{FF2B5EF4-FFF2-40B4-BE49-F238E27FC236}">
-                <a16:creationId xmlns:a16="http://schemas.microsoft.com/office/drawing/2014/main" id="{A3E19728-3E97-FE0A-2854-46091E8D880A}"/>
-              </a:ext>
-            </a:extLst>
-          </p:cNvPr>
-          <p:cNvSpPr>
-            <a:spLocks noGrp="1"/>
-          </p:cNvSpPr>
-          <p:nvPr>
-            <p:ph type="title"/>
-          </p:nvPr>
-        </p:nvSpPr>
-        <p:spPr/>
-        <p:txBody>
-          <a:bodyPr/>
-          <a:lstStyle/>
-          <a:p>
-            <a:r>
-              <a:rPr lang="cs-CZ" dirty="0" err="1"/>
-              <a:t>Pearsonův</a:t>
-            </a:r>
-            <a:r>
-              <a:rPr lang="cs-CZ" dirty="0"/>
-              <a:t> lineární korelační koeficienty</a:t>
-            </a:r>
-            <a:endParaRPr lang="en-US" dirty="0"/>
-          </a:p>
-        </p:txBody>
-      </p:sp>
-      <p:sp>
-        <p:nvSpPr>
-          <p:cNvPr id="3" name="Content Placeholder 2">
-            <a:extLst>
-              <a:ext uri="{FF2B5EF4-FFF2-40B4-BE49-F238E27FC236}">
-                <a16:creationId xmlns:a16="http://schemas.microsoft.com/office/drawing/2014/main" id="{074FCDE3-BE8C-8917-D822-AC81E83719DE}"/>
-              </a:ext>
-            </a:extLst>
-          </p:cNvPr>
-          <p:cNvSpPr>
-            <a:spLocks noGrp="1"/>
-          </p:cNvSpPr>
-          <p:nvPr>
-            <p:ph idx="1"/>
-          </p:nvPr>
-        </p:nvSpPr>
-        <p:spPr/>
-        <p:txBody>
-          <a:bodyPr/>
-          <a:lstStyle/>
-          <a:p>
-            <a:pPr marL="0" indent="0">
-              <a:spcAft>
-                <a:spcPts val="600"/>
-              </a:spcAft>
-              <a:buNone/>
-            </a:pPr>
-            <a:r>
-              <a:rPr lang="cs-CZ" dirty="0"/>
-              <a:t>Zkoumá </a:t>
-            </a:r>
-            <a:r>
-              <a:rPr lang="cs-CZ" b="1" dirty="0"/>
-              <a:t>lineární</a:t>
-            </a:r>
-            <a:r>
-              <a:rPr lang="cs-CZ" dirty="0"/>
-              <a:t> závislost na </a:t>
-            </a:r>
-            <a:r>
-              <a:rPr lang="cs-CZ" b="1" dirty="0"/>
-              <a:t>spojitých </a:t>
-            </a:r>
-            <a:r>
-              <a:rPr lang="cs-CZ" dirty="0"/>
-              <a:t>datech</a:t>
-            </a:r>
-          </a:p>
-          <a:p>
-            <a:pPr marL="0" indent="0">
-              <a:spcAft>
-                <a:spcPts val="600"/>
-              </a:spcAft>
-              <a:buNone/>
-            </a:pPr>
-            <a:r>
-              <a:rPr lang="cs-CZ" dirty="0"/>
-              <a:t>r je mezi &lt;-1, 1&gt;</a:t>
-            </a:r>
-          </a:p>
-          <a:p>
-            <a:pPr marL="0" indent="0">
-              <a:spcAft>
-                <a:spcPts val="600"/>
-              </a:spcAft>
-              <a:buNone/>
-            </a:pPr>
-            <a:r>
-              <a:rPr lang="cs-CZ" dirty="0"/>
-              <a:t>+/- -&gt; směr závislosti</a:t>
-            </a:r>
-          </a:p>
-          <a:p>
-            <a:pPr marL="0" indent="0">
-              <a:spcAft>
-                <a:spcPts val="600"/>
-              </a:spcAft>
-              <a:buNone/>
-            </a:pPr>
-            <a:r>
-              <a:rPr lang="cs-CZ" dirty="0"/>
-              <a:t>|r| -&gt; síla závislosti</a:t>
-            </a:r>
-          </a:p>
-        </p:txBody>
-      </p:sp>
-    </p:spTree>
-    <p:extLst>
-      <p:ext uri="{BB962C8B-B14F-4D97-AF65-F5344CB8AC3E}">
-        <p14:creationId xmlns:p14="http://schemas.microsoft.com/office/powerpoint/2010/main" val="540978354"/>
       </p:ext>
     </p:extLst>
   </p:cSld>
@@ -7931,6 +7916,161 @@
         <p:cNvPr id="1" name="">
           <a:extLst>
             <a:ext uri="{FF2B5EF4-FFF2-40B4-BE49-F238E27FC236}">
+              <a16:creationId xmlns:a16="http://schemas.microsoft.com/office/drawing/2014/main" id="{E9923431-D1ED-7863-B126-5B522E954C2E}"/>
+            </a:ext>
+          </a:extLst>
+        </p:cNvPr>
+        <p:cNvGrpSpPr/>
+        <p:nvPr/>
+      </p:nvGrpSpPr>
+      <p:grpSpPr>
+        <a:xfrm>
+          <a:off x="0" y="0"/>
+          <a:ext cx="0" cy="0"/>
+          <a:chOff x="0" y="0"/>
+          <a:chExt cx="0" cy="0"/>
+        </a:xfrm>
+      </p:grpSpPr>
+      <p:sp>
+        <p:nvSpPr>
+          <p:cNvPr id="2" name="Title 1">
+            <a:extLst>
+              <a:ext uri="{FF2B5EF4-FFF2-40B4-BE49-F238E27FC236}">
+                <a16:creationId xmlns:a16="http://schemas.microsoft.com/office/drawing/2014/main" id="{A3E19728-3E97-FE0A-2854-46091E8D880A}"/>
+              </a:ext>
+            </a:extLst>
+          </p:cNvPr>
+          <p:cNvSpPr>
+            <a:spLocks noGrp="1"/>
+          </p:cNvSpPr>
+          <p:nvPr>
+            <p:ph type="title"/>
+          </p:nvPr>
+        </p:nvSpPr>
+        <p:spPr/>
+        <p:txBody>
+          <a:bodyPr/>
+          <a:lstStyle/>
+          <a:p>
+            <a:r>
+              <a:rPr lang="cs-CZ" dirty="0" err="1"/>
+              <a:t>Pearsonův</a:t>
+            </a:r>
+            <a:r>
+              <a:rPr lang="cs-CZ" dirty="0"/>
+              <a:t> lineární korelační koeficienty</a:t>
+            </a:r>
+            <a:endParaRPr lang="en-US" dirty="0"/>
+          </a:p>
+        </p:txBody>
+      </p:sp>
+      <p:sp>
+        <p:nvSpPr>
+          <p:cNvPr id="3" name="Content Placeholder 2">
+            <a:extLst>
+              <a:ext uri="{FF2B5EF4-FFF2-40B4-BE49-F238E27FC236}">
+                <a16:creationId xmlns:a16="http://schemas.microsoft.com/office/drawing/2014/main" id="{074FCDE3-BE8C-8917-D822-AC81E83719DE}"/>
+              </a:ext>
+            </a:extLst>
+          </p:cNvPr>
+          <p:cNvSpPr>
+            <a:spLocks noGrp="1"/>
+          </p:cNvSpPr>
+          <p:nvPr>
+            <p:ph idx="1"/>
+          </p:nvPr>
+        </p:nvSpPr>
+        <p:spPr/>
+        <p:txBody>
+          <a:bodyPr/>
+          <a:lstStyle/>
+          <a:p>
+            <a:pPr marL="0" indent="0">
+              <a:spcAft>
+                <a:spcPts val="600"/>
+              </a:spcAft>
+              <a:buNone/>
+            </a:pPr>
+            <a:r>
+              <a:rPr lang="cs-CZ" dirty="0"/>
+              <a:t>Zkoumá </a:t>
+            </a:r>
+            <a:r>
+              <a:rPr lang="cs-CZ" b="1" dirty="0"/>
+              <a:t>lineární</a:t>
+            </a:r>
+            <a:r>
+              <a:rPr lang="cs-CZ" dirty="0"/>
+              <a:t> závislost na </a:t>
+            </a:r>
+            <a:r>
+              <a:rPr lang="cs-CZ" b="1" dirty="0"/>
+              <a:t>spojitých </a:t>
+            </a:r>
+            <a:r>
+              <a:rPr lang="cs-CZ" dirty="0"/>
+              <a:t>datech</a:t>
+            </a:r>
+          </a:p>
+          <a:p>
+            <a:pPr marL="0" indent="0">
+              <a:spcAft>
+                <a:spcPts val="600"/>
+              </a:spcAft>
+              <a:buNone/>
+            </a:pPr>
+            <a:r>
+              <a:rPr lang="cs-CZ" dirty="0"/>
+              <a:t>r je mezi &lt;-1, 1&gt;</a:t>
+            </a:r>
+          </a:p>
+          <a:p>
+            <a:pPr marL="0" indent="0">
+              <a:spcAft>
+                <a:spcPts val="600"/>
+              </a:spcAft>
+              <a:buNone/>
+            </a:pPr>
+            <a:r>
+              <a:rPr lang="cs-CZ" dirty="0"/>
+              <a:t>+/- -&gt; směr závislosti</a:t>
+            </a:r>
+          </a:p>
+          <a:p>
+            <a:pPr marL="0" indent="0">
+              <a:spcAft>
+                <a:spcPts val="600"/>
+              </a:spcAft>
+              <a:buNone/>
+            </a:pPr>
+            <a:r>
+              <a:rPr lang="cs-CZ" dirty="0"/>
+              <a:t>|r| -&gt; síla závislosti</a:t>
+            </a:r>
+          </a:p>
+        </p:txBody>
+      </p:sp>
+    </p:spTree>
+    <p:extLst>
+      <p:ext uri="{BB962C8B-B14F-4D97-AF65-F5344CB8AC3E}">
+        <p14:creationId xmlns:p14="http://schemas.microsoft.com/office/powerpoint/2010/main" val="540978354"/>
+      </p:ext>
+    </p:extLst>
+  </p:cSld>
+  <p:clrMapOvr>
+    <a:masterClrMapping/>
+  </p:clrMapOvr>
+</p:sld>
+</file>
+
+<file path=ppt/slides/slide21.xml><?xml version="1.0" encoding="utf-8"?>
+<p:sld xmlns:a="http://schemas.openxmlformats.org/drawingml/2006/main" xmlns:r="http://schemas.openxmlformats.org/officeDocument/2006/relationships" xmlns:p="http://schemas.openxmlformats.org/presentationml/2006/main">
+  <p:cSld>
+    <p:spTree>
+      <p:nvGrpSpPr>
+        <p:cNvPr id="1" name="">
+          <a:extLst>
+            <a:ext uri="{FF2B5EF4-FFF2-40B4-BE49-F238E27FC236}">
               <a16:creationId xmlns:a16="http://schemas.microsoft.com/office/drawing/2014/main" id="{7A63F091-0313-EED7-CDE5-06435AC4A2FD}"/>
             </a:ext>
           </a:extLst>
@@ -8054,7 +8194,7 @@
 </p:sld>
 </file>
 
-<file path=ppt/slides/slide21.xml><?xml version="1.0" encoding="utf-8"?>
+<file path=ppt/slides/slide22.xml><?xml version="1.0" encoding="utf-8"?>
 <p:sld xmlns:a="http://schemas.openxmlformats.org/drawingml/2006/main" xmlns:r="http://schemas.openxmlformats.org/officeDocument/2006/relationships" xmlns:p="http://schemas.openxmlformats.org/presentationml/2006/main">
   <p:cSld>
     <p:spTree>
@@ -8249,7 +8389,7 @@
 </p:sld>
 </file>
 
-<file path=ppt/slides/slide22.xml><?xml version="1.0" encoding="utf-8"?>
+<file path=ppt/slides/slide23.xml><?xml version="1.0" encoding="utf-8"?>
 <p:sld xmlns:a="http://schemas.openxmlformats.org/drawingml/2006/main" xmlns:r="http://schemas.openxmlformats.org/officeDocument/2006/relationships" xmlns:p="http://schemas.openxmlformats.org/presentationml/2006/main">
   <p:cSld>
     <p:spTree>
@@ -8497,7 +8637,7 @@
 </p:sld>
 </file>
 
-<file path=ppt/slides/slide23.xml><?xml version="1.0" encoding="utf-8"?>
+<file path=ppt/slides/slide24.xml><?xml version="1.0" encoding="utf-8"?>
 <p:sld xmlns:a="http://schemas.openxmlformats.org/drawingml/2006/main" xmlns:r="http://schemas.openxmlformats.org/officeDocument/2006/relationships" xmlns:p="http://schemas.openxmlformats.org/presentationml/2006/main">
   <p:cSld>
     <p:spTree>
@@ -13492,15 +13632,6 @@
 </file>
 
 <file path=customXml/item1.xml><?xml version="1.0" encoding="utf-8"?>
-<?mso-contentType ?>
-<FormTemplates xmlns="http://schemas.microsoft.com/sharepoint/v3/contenttype/forms">
-  <Display>DocumentLibraryForm</Display>
-  <Edit>DocumentLibraryForm</Edit>
-  <New>DocumentLibraryForm</New>
-</FormTemplates>
-</file>
-
-<file path=customXml/item2.xml><?xml version="1.0" encoding="utf-8"?>
 <p:properties xmlns:p="http://schemas.microsoft.com/office/2006/metadata/properties" xmlns:xsi="http://www.w3.org/2001/XMLSchema-instance" xmlns:pc="http://schemas.microsoft.com/office/infopath/2007/PartnerControls">
   <documentManagement>
     <lcf76f155ced4ddcb4097134ff3c332f xmlns="b5e40aea-b4ae-4b94-9008-c1fed4a5c359">
@@ -13509,6 +13640,15 @@
     <TaxCatchAll xmlns="c95f7331-2dea-4b91-a62c-a2ea58dcbe03" xsi:nil="true"/>
   </documentManagement>
 </p:properties>
+</file>
+
+<file path=customXml/item2.xml><?xml version="1.0" encoding="utf-8"?>
+<?mso-contentType ?>
+<FormTemplates xmlns="http://schemas.microsoft.com/sharepoint/v3/contenttype/forms">
+  <Display>DocumentLibraryForm</Display>
+  <Edit>DocumentLibraryForm</Edit>
+  <New>DocumentLibraryForm</New>
+</FormTemplates>
 </file>
 
 <file path=customXml/item3.xml><?xml version="1.0" encoding="utf-8"?>
@@ -13747,20 +13887,20 @@
 </file>
 
 <file path=customXml/itemProps1.xml><?xml version="1.0" encoding="utf-8"?>
-<ds:datastoreItem xmlns:ds="http://schemas.openxmlformats.org/officeDocument/2006/customXml" ds:itemID="{35AAFBE4-E0F2-46C8-9B9D-C83397D2F04E}">
-  <ds:schemaRefs>
-    <ds:schemaRef ds:uri="http://schemas.microsoft.com/sharepoint/v3/contenttype/forms"/>
-  </ds:schemaRefs>
-</ds:datastoreItem>
-</file>
-
-<file path=customXml/itemProps2.xml><?xml version="1.0" encoding="utf-8"?>
 <ds:datastoreItem xmlns:ds="http://schemas.openxmlformats.org/officeDocument/2006/customXml" ds:itemID="{E33785A2-D7CE-4CE1-98CE-0E3D5DDB8231}">
   <ds:schemaRefs>
     <ds:schemaRef ds:uri="http://schemas.microsoft.com/office/2006/metadata/properties"/>
     <ds:schemaRef ds:uri="http://schemas.microsoft.com/office/infopath/2007/PartnerControls"/>
     <ds:schemaRef ds:uri="b5e40aea-b4ae-4b94-9008-c1fed4a5c359"/>
     <ds:schemaRef ds:uri="c95f7331-2dea-4b91-a62c-a2ea58dcbe03"/>
+  </ds:schemaRefs>
+</ds:datastoreItem>
+</file>
+
+<file path=customXml/itemProps2.xml><?xml version="1.0" encoding="utf-8"?>
+<ds:datastoreItem xmlns:ds="http://schemas.openxmlformats.org/officeDocument/2006/customXml" ds:itemID="{35AAFBE4-E0F2-46C8-9B9D-C83397D2F04E}">
+  <ds:schemaRefs>
+    <ds:schemaRef ds:uri="http://schemas.microsoft.com/sharepoint/v3/contenttype/forms"/>
   </ds:schemaRefs>
 </ds:datastoreItem>
 </file>

--- a/Prezentace/3_Testovani_hypotez.pptx
+++ b/Prezentace/3_Testovani_hypotez.pptx
@@ -331,7 +331,7 @@
               <a:pPr>
                 <a:defRPr/>
               </a:pPr>
-              <a:t>03.12.2024</a:t>
+              <a:t>04.12.2024</a:t>
             </a:fld>
             <a:endParaRPr lang="cs-CZ"/>
           </a:p>
@@ -3527,7 +3527,7 @@
               <a:pPr>
                 <a:defRPr/>
               </a:pPr>
-              <a:t>03.12.2024</a:t>
+              <a:t>04.12.2024</a:t>
             </a:fld>
             <a:endParaRPr lang="cs-CZ"/>
           </a:p>
@@ -13643,15 +13643,6 @@
 </file>
 
 <file path=customXml/item2.xml><?xml version="1.0" encoding="utf-8"?>
-<?mso-contentType ?>
-<FormTemplates xmlns="http://schemas.microsoft.com/sharepoint/v3/contenttype/forms">
-  <Display>DocumentLibraryForm</Display>
-  <Edit>DocumentLibraryForm</Edit>
-  <New>DocumentLibraryForm</New>
-</FormTemplates>
-</file>
-
-<file path=customXml/item3.xml><?xml version="1.0" encoding="utf-8"?>
 <ct:contentTypeSchema xmlns:ct="http://schemas.microsoft.com/office/2006/metadata/contentType" xmlns:ma="http://schemas.microsoft.com/office/2006/metadata/properties/metaAttributes" ct:_="" ma:_="" ma:contentTypeName="Dokument" ma:contentTypeID="0x010100483762EB5A18C04DBFA29C99AD83F26B" ma:contentTypeVersion="15" ma:contentTypeDescription="Vytvoří nový dokument" ma:contentTypeScope="" ma:versionID="d9ef6691753f8d1d5aac364a0a95b869">
   <xsd:schema xmlns:xsd="http://www.w3.org/2001/XMLSchema" xmlns:xs="http://www.w3.org/2001/XMLSchema" xmlns:p="http://schemas.microsoft.com/office/2006/metadata/properties" xmlns:ns2="b5e40aea-b4ae-4b94-9008-c1fed4a5c359" xmlns:ns3="c95f7331-2dea-4b91-a62c-a2ea58dcbe03" targetNamespace="http://schemas.microsoft.com/office/2006/metadata/properties" ma:root="true" ma:fieldsID="8ffb3d0fa66fdebc604d2e8eddcb4819" ns2:_="" ns3:_="">
     <xsd:import namespace="b5e40aea-b4ae-4b94-9008-c1fed4a5c359"/>
@@ -13886,6 +13877,15 @@
 </ct:contentTypeSchema>
 </file>
 
+<file path=customXml/item3.xml><?xml version="1.0" encoding="utf-8"?>
+<?mso-contentType ?>
+<FormTemplates xmlns="http://schemas.microsoft.com/sharepoint/v3/contenttype/forms">
+  <Display>DocumentLibraryForm</Display>
+  <Edit>DocumentLibraryForm</Edit>
+  <New>DocumentLibraryForm</New>
+</FormTemplates>
+</file>
+
 <file path=customXml/itemProps1.xml><?xml version="1.0" encoding="utf-8"?>
 <ds:datastoreItem xmlns:ds="http://schemas.openxmlformats.org/officeDocument/2006/customXml" ds:itemID="{E33785A2-D7CE-4CE1-98CE-0E3D5DDB8231}">
   <ds:schemaRefs>
@@ -13898,14 +13898,6 @@
 </file>
 
 <file path=customXml/itemProps2.xml><?xml version="1.0" encoding="utf-8"?>
-<ds:datastoreItem xmlns:ds="http://schemas.openxmlformats.org/officeDocument/2006/customXml" ds:itemID="{35AAFBE4-E0F2-46C8-9B9D-C83397D2F04E}">
-  <ds:schemaRefs>
-    <ds:schemaRef ds:uri="http://schemas.microsoft.com/sharepoint/v3/contenttype/forms"/>
-  </ds:schemaRefs>
-</ds:datastoreItem>
-</file>
-
-<file path=customXml/itemProps3.xml><?xml version="1.0" encoding="utf-8"?>
 <ds:datastoreItem xmlns:ds="http://schemas.openxmlformats.org/officeDocument/2006/customXml" ds:itemID="{9FF36B38-92E1-4434-B928-0B6896AEBC4E}">
   <ds:schemaRefs>
     <ds:schemaRef ds:uri="http://schemas.microsoft.com/office/2006/metadata/contentType"/>
@@ -13922,4 +13914,12 @@
     <ds:schemaRef ds:uri="http://schemas.microsoft.com/internal/obd"/>
   </ds:schemaRefs>
 </ds:datastoreItem>
+</file>
+
+<file path=customXml/itemProps3.xml><?xml version="1.0" encoding="utf-8"?>
+<ds:datastoreItem xmlns:ds="http://schemas.openxmlformats.org/officeDocument/2006/customXml" ds:itemID="{35AAFBE4-E0F2-46C8-9B9D-C83397D2F04E}">
+  <ds:schemaRefs>
+    <ds:schemaRef ds:uri="http://schemas.microsoft.com/sharepoint/v3/contenttype/forms"/>
+  </ds:schemaRefs>
+</ds:datastoreItem>
 </file>
--- a/Prezentace/3_Testovani_hypotez.pptx
+++ b/Prezentace/3_Testovani_hypotez.pptx
@@ -331,7 +331,7 @@
               <a:pPr>
                 <a:defRPr/>
               </a:pPr>
-              <a:t>04.12.2024</a:t>
+              <a:t>05.12.2024</a:t>
             </a:fld>
             <a:endParaRPr lang="cs-CZ"/>
           </a:p>
@@ -3527,7 +3527,7 @@
               <a:pPr>
                 <a:defRPr/>
               </a:pPr>
-              <a:t>04.12.2024</a:t>
+              <a:t>05.12.2024</a:t>
             </a:fld>
             <a:endParaRPr lang="cs-CZ"/>
           </a:p>
@@ -6997,8 +6997,12 @@
               <a:buChar char="§"/>
             </a:pPr>
             <a:r>
+              <a:rPr lang="cs-CZ"/>
+              <a:t>Ordinální </a:t>
+            </a:r>
+            <a:r>
               <a:rPr lang="cs-CZ" dirty="0"/>
-              <a:t>Nominální data</a:t>
+              <a:t>data</a:t>
             </a:r>
           </a:p>
           <a:p>
@@ -13632,17 +13636,6 @@
 </file>
 
 <file path=customXml/item1.xml><?xml version="1.0" encoding="utf-8"?>
-<p:properties xmlns:p="http://schemas.microsoft.com/office/2006/metadata/properties" xmlns:xsi="http://www.w3.org/2001/XMLSchema-instance" xmlns:pc="http://schemas.microsoft.com/office/infopath/2007/PartnerControls">
-  <documentManagement>
-    <lcf76f155ced4ddcb4097134ff3c332f xmlns="b5e40aea-b4ae-4b94-9008-c1fed4a5c359">
-      <Terms xmlns="http://schemas.microsoft.com/office/infopath/2007/PartnerControls"/>
-    </lcf76f155ced4ddcb4097134ff3c332f>
-    <TaxCatchAll xmlns="c95f7331-2dea-4b91-a62c-a2ea58dcbe03" xsi:nil="true"/>
-  </documentManagement>
-</p:properties>
-</file>
-
-<file path=customXml/item2.xml><?xml version="1.0" encoding="utf-8"?>
 <ct:contentTypeSchema xmlns:ct="http://schemas.microsoft.com/office/2006/metadata/contentType" xmlns:ma="http://schemas.microsoft.com/office/2006/metadata/properties/metaAttributes" ct:_="" ma:_="" ma:contentTypeName="Dokument" ma:contentTypeID="0x010100483762EB5A18C04DBFA29C99AD83F26B" ma:contentTypeVersion="15" ma:contentTypeDescription="Vytvoří nový dokument" ma:contentTypeScope="" ma:versionID="d9ef6691753f8d1d5aac364a0a95b869">
   <xsd:schema xmlns:xsd="http://www.w3.org/2001/XMLSchema" xmlns:xs="http://www.w3.org/2001/XMLSchema" xmlns:p="http://schemas.microsoft.com/office/2006/metadata/properties" xmlns:ns2="b5e40aea-b4ae-4b94-9008-c1fed4a5c359" xmlns:ns3="c95f7331-2dea-4b91-a62c-a2ea58dcbe03" targetNamespace="http://schemas.microsoft.com/office/2006/metadata/properties" ma:root="true" ma:fieldsID="8ffb3d0fa66fdebc604d2e8eddcb4819" ns2:_="" ns3:_="">
     <xsd:import namespace="b5e40aea-b4ae-4b94-9008-c1fed4a5c359"/>
@@ -13877,7 +13870,7 @@
 </ct:contentTypeSchema>
 </file>
 
-<file path=customXml/item3.xml><?xml version="1.0" encoding="utf-8"?>
+<file path=customXml/item2.xml><?xml version="1.0" encoding="utf-8"?>
 <?mso-contentType ?>
 <FormTemplates xmlns="http://schemas.microsoft.com/sharepoint/v3/contenttype/forms">
   <Display>DocumentLibraryForm</Display>
@@ -13886,18 +13879,18 @@
 </FormTemplates>
 </file>
 
-<file path=customXml/itemProps1.xml><?xml version="1.0" encoding="utf-8"?>
-<ds:datastoreItem xmlns:ds="http://schemas.openxmlformats.org/officeDocument/2006/customXml" ds:itemID="{E33785A2-D7CE-4CE1-98CE-0E3D5DDB8231}">
-  <ds:schemaRefs>
-    <ds:schemaRef ds:uri="http://schemas.microsoft.com/office/2006/metadata/properties"/>
-    <ds:schemaRef ds:uri="http://schemas.microsoft.com/office/infopath/2007/PartnerControls"/>
-    <ds:schemaRef ds:uri="b5e40aea-b4ae-4b94-9008-c1fed4a5c359"/>
-    <ds:schemaRef ds:uri="c95f7331-2dea-4b91-a62c-a2ea58dcbe03"/>
-  </ds:schemaRefs>
-</ds:datastoreItem>
+<file path=customXml/item3.xml><?xml version="1.0" encoding="utf-8"?>
+<p:properties xmlns:p="http://schemas.microsoft.com/office/2006/metadata/properties" xmlns:xsi="http://www.w3.org/2001/XMLSchema-instance" xmlns:pc="http://schemas.microsoft.com/office/infopath/2007/PartnerControls">
+  <documentManagement>
+    <lcf76f155ced4ddcb4097134ff3c332f xmlns="b5e40aea-b4ae-4b94-9008-c1fed4a5c359">
+      <Terms xmlns="http://schemas.microsoft.com/office/infopath/2007/PartnerControls"/>
+    </lcf76f155ced4ddcb4097134ff3c332f>
+    <TaxCatchAll xmlns="c95f7331-2dea-4b91-a62c-a2ea58dcbe03" xsi:nil="true"/>
+  </documentManagement>
+</p:properties>
 </file>
 
-<file path=customXml/itemProps2.xml><?xml version="1.0" encoding="utf-8"?>
+<file path=customXml/itemProps1.xml><?xml version="1.0" encoding="utf-8"?>
 <ds:datastoreItem xmlns:ds="http://schemas.openxmlformats.org/officeDocument/2006/customXml" ds:itemID="{9FF36B38-92E1-4434-B928-0B6896AEBC4E}">
   <ds:schemaRefs>
     <ds:schemaRef ds:uri="http://schemas.microsoft.com/office/2006/metadata/contentType"/>
@@ -13916,10 +13909,21 @@
 </ds:datastoreItem>
 </file>
 
-<file path=customXml/itemProps3.xml><?xml version="1.0" encoding="utf-8"?>
+<file path=customXml/itemProps2.xml><?xml version="1.0" encoding="utf-8"?>
 <ds:datastoreItem xmlns:ds="http://schemas.openxmlformats.org/officeDocument/2006/customXml" ds:itemID="{35AAFBE4-E0F2-46C8-9B9D-C83397D2F04E}">
   <ds:schemaRefs>
     <ds:schemaRef ds:uri="http://schemas.microsoft.com/sharepoint/v3/contenttype/forms"/>
   </ds:schemaRefs>
 </ds:datastoreItem>
+</file>
+
+<file path=customXml/itemProps3.xml><?xml version="1.0" encoding="utf-8"?>
+<ds:datastoreItem xmlns:ds="http://schemas.openxmlformats.org/officeDocument/2006/customXml" ds:itemID="{E33785A2-D7CE-4CE1-98CE-0E3D5DDB8231}">
+  <ds:schemaRefs>
+    <ds:schemaRef ds:uri="http://schemas.microsoft.com/office/2006/metadata/properties"/>
+    <ds:schemaRef ds:uri="http://schemas.microsoft.com/office/infopath/2007/PartnerControls"/>
+    <ds:schemaRef ds:uri="b5e40aea-b4ae-4b94-9008-c1fed4a5c359"/>
+    <ds:schemaRef ds:uri="c95f7331-2dea-4b91-a62c-a2ea58dcbe03"/>
+  </ds:schemaRefs>
+</ds:datastoreItem>
 </file>